--- a/_PowerPoints/2nd Semester/Unit 9 Logarithms/Algebra_4_Day_072 7.1 Models and 7.2 Properties of exponential functions.pptx
+++ b/_PowerPoints/2nd Semester/Unit 9 Logarithms/Algebra_4_Day_072 7.1 Models and 7.2 Properties of exponential functions.pptx
@@ -5,15 +5,15 @@
     <p:sldMasterId id="2147483648" r:id="rId1"/>
   </p:sldMasterIdLst>
   <p:sldIdLst>
-    <p:sldId id="330" r:id="rId2"/>
-    <p:sldId id="339" r:id="rId3"/>
-    <p:sldId id="256" r:id="rId4"/>
-    <p:sldId id="324" r:id="rId5"/>
-    <p:sldId id="329" r:id="rId6"/>
-    <p:sldId id="337" r:id="rId7"/>
+    <p:sldId id="256" r:id="rId2"/>
+    <p:sldId id="330" r:id="rId3"/>
+    <p:sldId id="324" r:id="rId4"/>
+    <p:sldId id="329" r:id="rId5"/>
+    <p:sldId id="337" r:id="rId6"/>
+    <p:sldId id="346" r:id="rId7"/>
     <p:sldId id="343" r:id="rId8"/>
-    <p:sldId id="340" r:id="rId9"/>
-    <p:sldId id="342" r:id="rId10"/>
+    <p:sldId id="342" r:id="rId9"/>
+    <p:sldId id="340" r:id="rId10"/>
     <p:sldId id="341" r:id="rId11"/>
     <p:sldId id="345" r:id="rId12"/>
     <p:sldId id="336" r:id="rId13"/>
@@ -293,7 +293,7 @@
             <a:fld id="{87DE6118-2437-4B30-8E3C-4D2BE6020583}" type="datetimeFigureOut">
               <a:rPr lang="en-US" dirty="0"/>
               <a:pPr/>
-              <a:t>4/17/2018</a:t>
+              <a:t>4/23/2018</a:t>
             </a:fld>
             <a:endParaRPr lang="en-US" dirty="0"/>
           </a:p>
@@ -619,7 +619,7 @@
           <a:p>
             <a:fld id="{87DE6118-2437-4B30-8E3C-4D2BE6020583}" type="datetimeFigureOut">
               <a:rPr lang="en-US" dirty="0"/>
-              <a:t>4/17/2018</a:t>
+              <a:t>4/23/2018</a:t>
             </a:fld>
             <a:endParaRPr lang="en-US" dirty="0"/>
           </a:p>
@@ -794,7 +794,7 @@
           <a:p>
             <a:fld id="{87DE6118-2437-4B30-8E3C-4D2BE6020583}" type="datetimeFigureOut">
               <a:rPr lang="en-US" dirty="0"/>
-              <a:t>4/17/2018</a:t>
+              <a:t>4/23/2018</a:t>
             </a:fld>
             <a:endParaRPr lang="en-US" dirty="0"/>
           </a:p>
@@ -959,7 +959,7 @@
           <a:p>
             <a:fld id="{87DE6118-2437-4B30-8E3C-4D2BE6020583}" type="datetimeFigureOut">
               <a:rPr lang="en-US" dirty="0"/>
-              <a:t>4/17/2018</a:t>
+              <a:t>4/23/2018</a:t>
             </a:fld>
             <a:endParaRPr lang="en-US" dirty="0"/>
           </a:p>
@@ -1232,7 +1232,7 @@
             <a:fld id="{87DE6118-2437-4B30-8E3C-4D2BE6020583}" type="datetimeFigureOut">
               <a:rPr lang="en-US" dirty="0"/>
               <a:pPr/>
-              <a:t>4/17/2018</a:t>
+              <a:t>4/23/2018</a:t>
             </a:fld>
             <a:endParaRPr lang="en-US" dirty="0"/>
           </a:p>
@@ -1622,7 +1622,7 @@
           <a:p>
             <a:fld id="{87DE6118-2437-4B30-8E3C-4D2BE6020583}" type="datetimeFigureOut">
               <a:rPr lang="en-US" dirty="0"/>
-              <a:t>4/17/2018</a:t>
+              <a:t>4/23/2018</a:t>
             </a:fld>
             <a:endParaRPr lang="en-US" dirty="0"/>
           </a:p>
@@ -2094,7 +2094,7 @@
           <a:p>
             <a:fld id="{87DE6118-2437-4B30-8E3C-4D2BE6020583}" type="datetimeFigureOut">
               <a:rPr lang="en-US" dirty="0"/>
-              <a:t>4/17/2018</a:t>
+              <a:t>4/23/2018</a:t>
             </a:fld>
             <a:endParaRPr lang="en-US" dirty="0"/>
           </a:p>
@@ -2207,7 +2207,7 @@
           <a:p>
             <a:fld id="{87DE6118-2437-4B30-8E3C-4D2BE6020583}" type="datetimeFigureOut">
               <a:rPr lang="en-US" dirty="0"/>
-              <a:t>4/17/2018</a:t>
+              <a:t>4/23/2018</a:t>
             </a:fld>
             <a:endParaRPr lang="en-US" dirty="0"/>
           </a:p>
@@ -2297,7 +2297,7 @@
           <a:p>
             <a:fld id="{87DE6118-2437-4B30-8E3C-4D2BE6020583}" type="datetimeFigureOut">
               <a:rPr lang="en-US" dirty="0"/>
-              <a:t>4/17/2018</a:t>
+              <a:t>4/23/2018</a:t>
             </a:fld>
             <a:endParaRPr lang="en-US" dirty="0"/>
           </a:p>
@@ -2639,7 +2639,7 @@
             <a:fld id="{87DE6118-2437-4B30-8E3C-4D2BE6020583}" type="datetimeFigureOut">
               <a:rPr lang="en-US" dirty="0"/>
               <a:pPr/>
-              <a:t>4/17/2018</a:t>
+              <a:t>4/23/2018</a:t>
             </a:fld>
             <a:endParaRPr lang="en-US" dirty="0"/>
           </a:p>
@@ -3024,7 +3024,7 @@
             <a:fld id="{87DE6118-2437-4B30-8E3C-4D2BE6020583}" type="datetimeFigureOut">
               <a:rPr lang="en-US" dirty="0"/>
               <a:pPr/>
-              <a:t>4/17/2018</a:t>
+              <a:t>4/23/2018</a:t>
             </a:fld>
             <a:endParaRPr lang="en-US" dirty="0"/>
           </a:p>
@@ -3299,7 +3299,7 @@
             <a:fld id="{87DE6118-2437-4B30-8E3C-4D2BE6020583}" type="datetimeFigureOut">
               <a:rPr lang="en-US" dirty="0"/>
               <a:pPr/>
-              <a:t>4/17/2018</a:t>
+              <a:t>4/23/2018</a:t>
             </a:fld>
             <a:endParaRPr lang="en-US" dirty="0"/>
           </a:p>
@@ -3814,19 +3814,17 @@
             <a:spLocks noGrp="1"/>
           </p:cNvSpPr>
           <p:nvPr>
-            <p:ph type="title"/>
+            <p:ph type="ctrTitle"/>
           </p:nvPr>
         </p:nvSpPr>
         <p:spPr/>
         <p:txBody>
-          <a:bodyPr>
-            <a:normAutofit fontScale="90000"/>
-          </a:bodyPr>
+          <a:bodyPr/>
           <a:lstStyle/>
           <a:p>
             <a:r>
               <a:rPr lang="en-US" dirty="0" smtClean="0"/>
-              <a:t>Bell Work: Is the following exponential growth or decay? (Hint: Look at it’s graph) </a:t>
+              <a:t>Algebra 4</a:t>
             </a:r>
             <a:endParaRPr lang="en-US" dirty="0"/>
           </a:p>
@@ -3834,307 +3832,44 @@
       </p:sp>
       <p:sp>
         <p:nvSpPr>
-          <p:cNvPr id="3" name="Content Placeholder 2"/>
-          <p:cNvSpPr>
-            <a:spLocks noGrp="1"/>
-          </p:cNvSpPr>
-          <p:nvPr>
-            <p:ph idx="1"/>
-          </p:nvPr>
-        </p:nvSpPr>
-        <p:spPr>
-          <a:xfrm>
-            <a:off x="1371600" y="2843560"/>
-            <a:ext cx="9601200" cy="4014439"/>
-          </a:xfrm>
-        </p:spPr>
-        <p:txBody>
-          <a:bodyPr>
-            <a:normAutofit/>
-          </a:bodyPr>
+          <p:cNvPr id="3" name="Subtitle 2"/>
+          <p:cNvSpPr>
+            <a:spLocks noGrp="1"/>
+          </p:cNvSpPr>
+          <p:nvPr>
+            <p:ph type="subTitle" idx="1"/>
+          </p:nvPr>
+        </p:nvSpPr>
+        <p:spPr/>
+        <p:txBody>
+          <a:bodyPr/>
           <a:lstStyle/>
           <a:p>
-            <a:pPr marL="530352" lvl="1" indent="0">
-              <a:buNone/>
-            </a:pPr>
-            <a:endParaRPr lang="en-US" sz="3400" dirty="0" smtClean="0"/>
-          </a:p>
-          <a:p>
-            <a:pPr marL="530352" lvl="1" indent="0">
-              <a:buNone/>
-            </a:pPr>
+            <a:r>
+              <a:rPr lang="en-US" smtClean="0"/>
+              <a:t>Day 72</a:t>
+            </a:r>
             <a:endParaRPr lang="en-US" dirty="0"/>
           </a:p>
-          <a:p>
-            <a:pPr marL="530352" lvl="1" indent="0">
-              <a:buNone/>
-            </a:pPr>
-            <a:endParaRPr lang="en-US" dirty="0"/>
-          </a:p>
-        </p:txBody>
-      </p:sp>
-      <mc:AlternateContent xmlns:mc="http://schemas.openxmlformats.org/markup-compatibility/2006" xmlns:a14="http://schemas.microsoft.com/office/drawing/2010/main">
-        <mc:Choice Requires="a14">
-          <p:sp>
-            <p:nvSpPr>
-              <p:cNvPr id="4" name="TextBox 3"/>
-              <p:cNvSpPr txBox="1"/>
-              <p:nvPr/>
-            </p:nvSpPr>
-            <p:spPr>
-              <a:xfrm>
-                <a:off x="1371600" y="1731363"/>
-                <a:ext cx="2315699" cy="1846659"/>
-              </a:xfrm>
-              <a:prstGeom prst="rect">
-                <a:avLst/>
-              </a:prstGeom>
-              <a:noFill/>
-            </p:spPr>
-            <p:txBody>
-              <a:bodyPr wrap="none" lIns="0" tIns="0" rIns="0" bIns="0" rtlCol="0">
-                <a:spAutoFit/>
-              </a:bodyPr>
-              <a:lstStyle/>
-              <a:p>
-                <a:endParaRPr lang="en-US" sz="4000" b="0" i="1" dirty="0" smtClean="0">
-                  <a:latin typeface="Cambria Math" panose="02040503050406030204" pitchFamily="18" charset="0"/>
-                </a:endParaRPr>
-              </a:p>
-              <a:p>
-                <a:endParaRPr lang="en-US" sz="4000" i="1" dirty="0">
-                  <a:latin typeface="Cambria Math" panose="02040503050406030204" pitchFamily="18" charset="0"/>
-                </a:endParaRPr>
-              </a:p>
-              <a:p>
-                <a:pPr/>
-                <a14:m>
-                  <m:oMathPara xmlns:m="http://schemas.openxmlformats.org/officeDocument/2006/math">
-                    <m:oMathParaPr>
-                      <m:jc m:val="centerGroup"/>
-                    </m:oMathParaPr>
-                    <m:oMath xmlns:m="http://schemas.openxmlformats.org/officeDocument/2006/math">
-                      <m:r>
-                        <a:rPr lang="en-US" sz="4000" b="0" i="1" smtClean="0">
-                          <a:latin typeface="Cambria Math" panose="02040503050406030204" pitchFamily="18" charset="0"/>
-                        </a:rPr>
-                        <m:t>𝑦</m:t>
-                      </m:r>
-                      <m:r>
-                        <a:rPr lang="en-US" sz="4000" b="0" i="1" smtClean="0">
-                          <a:latin typeface="Cambria Math" panose="02040503050406030204" pitchFamily="18" charset="0"/>
-                        </a:rPr>
-                        <m:t>= </m:t>
-                      </m:r>
-                      <m:sSup>
-                        <m:sSupPr>
-                          <m:ctrlPr>
-                            <a:rPr lang="en-US" sz="4000" b="0" i="1" smtClean="0">
-                              <a:latin typeface="Cambria Math" panose="02040503050406030204" pitchFamily="18" charset="0"/>
-                            </a:rPr>
-                          </m:ctrlPr>
-                        </m:sSupPr>
-                        <m:e>
-                          <m:r>
-                            <a:rPr lang="en-US" sz="4000" b="0" i="1" smtClean="0">
-                              <a:latin typeface="Cambria Math" panose="02040503050406030204" pitchFamily="18" charset="0"/>
-                            </a:rPr>
-                            <m:t>2</m:t>
-                          </m:r>
-                        </m:e>
-                        <m:sup>
-                          <m:r>
-                            <a:rPr lang="en-US" sz="4000" b="0" i="1" smtClean="0">
-                              <a:latin typeface="Cambria Math" panose="02040503050406030204" pitchFamily="18" charset="0"/>
-                            </a:rPr>
-                            <m:t>𝑥</m:t>
-                          </m:r>
-                          <m:r>
-                            <a:rPr lang="en-US" sz="4000" b="0" i="1" smtClean="0">
-                              <a:latin typeface="Cambria Math" panose="02040503050406030204" pitchFamily="18" charset="0"/>
-                            </a:rPr>
-                            <m:t>−4</m:t>
-                          </m:r>
-                        </m:sup>
-                      </m:sSup>
-                    </m:oMath>
-                  </m:oMathPara>
-                </a14:m>
-                <a:endParaRPr lang="en-US" sz="4000" dirty="0"/>
-              </a:p>
-            </p:txBody>
-          </p:sp>
-        </mc:Choice>
-        <mc:Fallback xmlns="">
-          <p:sp>
-            <p:nvSpPr>
-              <p:cNvPr id="4" name="TextBox 3"/>
-              <p:cNvSpPr txBox="1">
-                <a:spLocks noRot="1" noChangeAspect="1" noMove="1" noResize="1" noEditPoints="1" noAdjustHandles="1" noChangeArrowheads="1" noChangeShapeType="1" noTextEdit="1"/>
-              </p:cNvSpPr>
-              <p:nvPr/>
-            </p:nvSpPr>
-            <p:spPr>
-              <a:xfrm>
-                <a:off x="1371600" y="1731363"/>
-                <a:ext cx="2315699" cy="1846659"/>
-              </a:xfrm>
-              <a:prstGeom prst="rect">
-                <a:avLst/>
-              </a:prstGeom>
-              <a:blipFill rotWithShape="0">
-                <a:blip r:embed="rId2"/>
-                <a:stretch>
-                  <a:fillRect/>
-                </a:stretch>
-              </a:blipFill>
-            </p:spPr>
-            <p:txBody>
-              <a:bodyPr/>
-              <a:lstStyle/>
-              <a:p>
-                <a:r>
-                  <a:rPr lang="en-US">
-                    <a:noFill/>
-                  </a:rPr>
-                  <a:t> </a:t>
-                </a:r>
-              </a:p>
-            </p:txBody>
-          </p:sp>
-        </mc:Fallback>
-      </mc:AlternateContent>
-      <mc:AlternateContent xmlns:mc="http://schemas.openxmlformats.org/markup-compatibility/2006" xmlns:a14="http://schemas.microsoft.com/office/drawing/2010/main">
-        <mc:Choice Requires="a14">
-          <p:sp>
-            <p:nvSpPr>
-              <p:cNvPr id="5" name="TextBox 4"/>
-              <p:cNvSpPr txBox="1"/>
-              <p:nvPr/>
-            </p:nvSpPr>
-            <p:spPr>
-              <a:xfrm>
-                <a:off x="1371600" y="4294681"/>
-                <a:ext cx="3010055" cy="615553"/>
-              </a:xfrm>
-              <a:prstGeom prst="rect">
-                <a:avLst/>
-              </a:prstGeom>
-              <a:noFill/>
-            </p:spPr>
-            <p:txBody>
-              <a:bodyPr wrap="none" lIns="0" tIns="0" rIns="0" bIns="0" rtlCol="0">
-                <a:spAutoFit/>
-              </a:bodyPr>
-              <a:lstStyle/>
-              <a:p>
-                <a:pPr/>
-                <a14:m>
-                  <m:oMathPara xmlns:m="http://schemas.openxmlformats.org/officeDocument/2006/math">
-                    <m:oMathParaPr>
-                      <m:jc m:val="centerGroup"/>
-                    </m:oMathParaPr>
-                    <m:oMath xmlns:m="http://schemas.openxmlformats.org/officeDocument/2006/math">
-                      <m:r>
-                        <a:rPr lang="en-US" sz="4000" b="0" i="1" smtClean="0">
-                          <a:latin typeface="Cambria Math" panose="02040503050406030204" pitchFamily="18" charset="0"/>
-                        </a:rPr>
-                        <m:t>𝑦</m:t>
-                      </m:r>
-                      <m:r>
-                        <a:rPr lang="en-US" sz="4000" b="0" i="1" smtClean="0">
-                          <a:latin typeface="Cambria Math" panose="02040503050406030204" pitchFamily="18" charset="0"/>
-                        </a:rPr>
-                        <m:t>=0.</m:t>
-                      </m:r>
-                      <m:sSup>
-                        <m:sSupPr>
-                          <m:ctrlPr>
-                            <a:rPr lang="en-US" sz="4000" b="0" i="1" smtClean="0">
-                              <a:latin typeface="Cambria Math" panose="02040503050406030204" pitchFamily="18" charset="0"/>
-                            </a:rPr>
-                          </m:ctrlPr>
-                        </m:sSupPr>
-                        <m:e>
-                          <m:r>
-                            <a:rPr lang="en-US" sz="4000" b="0" i="1" smtClean="0">
-                              <a:latin typeface="Cambria Math" panose="02040503050406030204" pitchFamily="18" charset="0"/>
-                            </a:rPr>
-                            <m:t>3</m:t>
-                          </m:r>
-                        </m:e>
-                        <m:sup>
-                          <m:r>
-                            <a:rPr lang="en-US" sz="4000" b="0" i="1" smtClean="0">
-                              <a:latin typeface="Cambria Math" panose="02040503050406030204" pitchFamily="18" charset="0"/>
-                            </a:rPr>
-                            <m:t>𝑥</m:t>
-                          </m:r>
-                        </m:sup>
-                      </m:sSup>
-                      <m:r>
-                        <a:rPr lang="en-US" sz="4000" b="0" i="0" smtClean="0">
-                          <a:latin typeface="Cambria Math" panose="02040503050406030204" pitchFamily="18" charset="0"/>
-                        </a:rPr>
-                        <m:t>+4</m:t>
-                      </m:r>
-                    </m:oMath>
-                  </m:oMathPara>
-                </a14:m>
-                <a:endParaRPr lang="en-US" sz="4000" dirty="0"/>
-              </a:p>
-            </p:txBody>
-          </p:sp>
-        </mc:Choice>
-        <mc:Fallback xmlns="">
-          <p:sp>
-            <p:nvSpPr>
-              <p:cNvPr id="5" name="TextBox 4"/>
-              <p:cNvSpPr txBox="1">
-                <a:spLocks noRot="1" noChangeAspect="1" noMove="1" noResize="1" noEditPoints="1" noAdjustHandles="1" noChangeArrowheads="1" noChangeShapeType="1" noTextEdit="1"/>
-              </p:cNvSpPr>
-              <p:nvPr/>
-            </p:nvSpPr>
-            <p:spPr>
-              <a:xfrm>
-                <a:off x="1371600" y="4294681"/>
-                <a:ext cx="3010055" cy="615553"/>
-              </a:xfrm>
-              <a:prstGeom prst="rect">
-                <a:avLst/>
-              </a:prstGeom>
-              <a:blipFill rotWithShape="0">
-                <a:blip r:embed="rId3"/>
-                <a:stretch>
-                  <a:fillRect/>
-                </a:stretch>
-              </a:blipFill>
-            </p:spPr>
-            <p:txBody>
-              <a:bodyPr/>
-              <a:lstStyle/>
-              <a:p>
-                <a:r>
-                  <a:rPr lang="en-US">
-                    <a:noFill/>
-                  </a:rPr>
-                  <a:t> </a:t>
-                </a:r>
-              </a:p>
-            </p:txBody>
-          </p:sp>
-        </mc:Fallback>
-      </mc:AlternateContent>
+        </p:txBody>
+      </p:sp>
     </p:spTree>
     <p:extLst>
       <p:ext uri="{BB962C8B-B14F-4D97-AF65-F5344CB8AC3E}">
-        <p14:creationId xmlns:p14="http://schemas.microsoft.com/office/powerpoint/2010/main" val="2105473934"/>
+        <p14:creationId xmlns:p14="http://schemas.microsoft.com/office/powerpoint/2010/main" val="1580792776"/>
       </p:ext>
     </p:extLst>
   </p:cSld>
   <p:clrMapOvr>
     <a:masterClrMapping/>
   </p:clrMapOvr>
+  <p:timing>
+    <p:tnLst>
+      <p:par>
+        <p:cTn id="1" dur="indefinite" restart="never" nodeType="tmRoot"/>
+      </p:par>
+    </p:tnLst>
+  </p:timing>
 </p:sld>
 </file>
 
@@ -4625,6 +4360,13 @@
   <p:clrMapOvr>
     <a:masterClrMapping/>
   </p:clrMapOvr>
+  <p:timing>
+    <p:tnLst>
+      <p:par>
+        <p:cTn id="1" dur="indefinite" restart="never" nodeType="tmRoot"/>
+      </p:par>
+    </p:tnLst>
+  </p:timing>
 </p:sld>
 </file>
 
@@ -4662,238 +4404,99 @@
           <a:p>
             <a:r>
               <a:rPr lang="en-US" dirty="0" smtClean="0"/>
-              <a:t>Example: Graph</a:t>
+              <a:t>Example</a:t>
+            </a:r>
+            <a:r>
+              <a:rPr lang="en-US" smtClean="0"/>
+              <a:t>: Solve</a:t>
             </a:r>
             <a:endParaRPr lang="en-US" dirty="0"/>
           </a:p>
         </p:txBody>
       </p:sp>
-      <mc:AlternateContent xmlns:mc="http://schemas.openxmlformats.org/markup-compatibility/2006" xmlns:a14="http://schemas.microsoft.com/office/drawing/2010/main">
-        <mc:Choice Requires="a14">
-          <p:sp>
-            <p:nvSpPr>
-              <p:cNvPr id="3" name="Content Placeholder 2"/>
-              <p:cNvSpPr>
-                <a:spLocks noGrp="1"/>
-              </p:cNvSpPr>
-              <p:nvPr>
-                <p:ph idx="1"/>
-              </p:nvPr>
-            </p:nvSpPr>
-            <p:spPr/>
-            <p:txBody>
-              <a:bodyPr/>
-              <a:lstStyle/>
-              <a:p>
-                <a:pPr marL="0" indent="0">
-                  <a:buNone/>
-                </a:pPr>
-                <a14:m>
-                  <m:oMathPara xmlns:m="http://schemas.openxmlformats.org/officeDocument/2006/math">
-                    <m:oMathParaPr>
-                      <m:jc m:val="left"/>
-                    </m:oMathParaPr>
-                    <m:oMath xmlns:m="http://schemas.openxmlformats.org/officeDocument/2006/math">
-                      <m:r>
-                        <a:rPr lang="en-US" sz="3000" b="0" i="1" smtClean="0">
-                          <a:latin typeface="Cambria Math" panose="02040503050406030204" pitchFamily="18" charset="0"/>
-                        </a:rPr>
-                        <m:t>𝑓</m:t>
-                      </m:r>
-                      <m:d>
-                        <m:dPr>
-                          <m:ctrlPr>
-                            <a:rPr lang="en-US" sz="3000" b="0" i="1" smtClean="0">
-                              <a:latin typeface="Cambria Math" panose="02040503050406030204" pitchFamily="18" charset="0"/>
-                            </a:rPr>
-                          </m:ctrlPr>
-                        </m:dPr>
-                        <m:e>
-                          <m:r>
-                            <a:rPr lang="en-US" sz="3000" b="0" i="1" smtClean="0">
-                              <a:latin typeface="Cambria Math" panose="02040503050406030204" pitchFamily="18" charset="0"/>
-                            </a:rPr>
-                            <m:t>𝑥</m:t>
-                          </m:r>
-                        </m:e>
-                      </m:d>
-                      <m:r>
-                        <a:rPr lang="en-US" sz="3000" b="0" i="1" smtClean="0">
-                          <a:latin typeface="Cambria Math" panose="02040503050406030204" pitchFamily="18" charset="0"/>
-                        </a:rPr>
-                        <m:t>=−3∗2</m:t>
-                      </m:r>
-                      <m:sSup>
-                        <m:sSupPr>
-                          <m:ctrlPr>
-                            <a:rPr lang="en-US" sz="3000" b="0" i="1" smtClean="0">
-                              <a:latin typeface="Cambria Math" panose="02040503050406030204" pitchFamily="18" charset="0"/>
-                            </a:rPr>
-                          </m:ctrlPr>
-                        </m:sSupPr>
-                        <m:e>
-                          <m:d>
-                            <m:dPr>
-                              <m:ctrlPr>
-                                <a:rPr lang="en-US" sz="3000" b="0" i="1" smtClean="0">
-                                  <a:latin typeface="Cambria Math" panose="02040503050406030204" pitchFamily="18" charset="0"/>
-                                </a:rPr>
-                              </m:ctrlPr>
-                            </m:dPr>
-                            <m:e>
-                              <m:r>
-                                <a:rPr lang="en-US" sz="3000" b="0" i="1" smtClean="0">
-                                  <a:latin typeface="Cambria Math" panose="02040503050406030204" pitchFamily="18" charset="0"/>
-                                </a:rPr>
-                                <m:t>0.75</m:t>
-                              </m:r>
-                            </m:e>
-                          </m:d>
-                        </m:e>
-                        <m:sup>
-                          <m:r>
-                            <a:rPr lang="en-US" sz="3000" b="0" i="1" smtClean="0">
-                              <a:latin typeface="Cambria Math" panose="02040503050406030204" pitchFamily="18" charset="0"/>
-                            </a:rPr>
-                            <m:t>𝑥</m:t>
-                          </m:r>
-                          <m:r>
-                            <a:rPr lang="en-US" sz="3000" b="0" i="1" smtClean="0">
-                              <a:latin typeface="Cambria Math" panose="02040503050406030204" pitchFamily="18" charset="0"/>
-                            </a:rPr>
-                            <m:t>−2</m:t>
-                          </m:r>
-                        </m:sup>
-                      </m:sSup>
-                      <m:r>
-                        <a:rPr lang="en-US" sz="3000" b="0" i="1" smtClean="0">
-                          <a:latin typeface="Cambria Math" panose="02040503050406030204" pitchFamily="18" charset="0"/>
-                        </a:rPr>
-                        <m:t>+5</m:t>
-                      </m:r>
-                    </m:oMath>
-                  </m:oMathPara>
-                </a14:m>
-                <a:endParaRPr lang="en-US" sz="3000" b="0" dirty="0" smtClean="0"/>
-              </a:p>
-              <a:p>
-                <a:pPr marL="0" indent="0">
-                  <a:buNone/>
-                </a:pPr>
-                <a:endParaRPr lang="en-US" sz="3000" dirty="0"/>
-              </a:p>
-              <a:p>
-                <a:pPr marL="0" indent="0">
-                  <a:buNone/>
-                </a:pPr>
-                <a:endParaRPr lang="en-US" sz="3000" b="0" dirty="0" smtClean="0"/>
-              </a:p>
-              <a:p>
-                <a:pPr marL="0" indent="0">
-                  <a:buNone/>
-                </a:pPr>
-                <a:endParaRPr lang="en-US" sz="3000" b="0" dirty="0" smtClean="0"/>
-              </a:p>
-              <a:p>
-                <a:pPr marL="0" indent="0">
-                  <a:buNone/>
-                </a:pPr>
-                <a:r>
-                  <a:rPr lang="en-US" sz="3000" dirty="0"/>
-                  <a:t>A population of </a:t>
-                </a:r>
-                <a:r>
-                  <a:rPr lang="en-US" sz="3000" dirty="0" smtClean="0"/>
-                  <a:t>120,750 </a:t>
-                </a:r>
-                <a:r>
-                  <a:rPr lang="en-US" sz="3000" dirty="0"/>
-                  <a:t>grows </a:t>
-                </a:r>
-                <a:r>
-                  <a:rPr lang="en-US" sz="3000" dirty="0" smtClean="0"/>
-                  <a:t>continuously. </a:t>
-                </a:r>
-                <a:r>
-                  <a:rPr lang="en-US" sz="3000" dirty="0"/>
-                  <a:t>What will the new population be after </a:t>
-                </a:r>
-                <a:r>
-                  <a:rPr lang="en-US" sz="3000" dirty="0" smtClean="0"/>
-                  <a:t>6 years</a:t>
-                </a:r>
-                <a:r>
-                  <a:rPr lang="en-US" sz="3000" dirty="0"/>
-                  <a:t>?</a:t>
-                </a:r>
-              </a:p>
-              <a:p>
-                <a:pPr marL="0" indent="0">
-                  <a:buNone/>
-                </a:pPr>
-                <a:endParaRPr lang="en-US" sz="3000" b="0" dirty="0" smtClean="0"/>
-              </a:p>
-              <a:p>
-                <a:pPr marL="0" indent="0">
-                  <a:buNone/>
-                </a:pPr>
-                <a:endParaRPr lang="en-US" sz="3000" dirty="0" smtClean="0"/>
-              </a:p>
-              <a:p>
-                <a:pPr marL="0" indent="0">
-                  <a:buNone/>
-                </a:pPr>
-                <a:endParaRPr lang="en-US" sz="3000" dirty="0"/>
-              </a:p>
-              <a:p>
-                <a:pPr marL="0" indent="0">
-                  <a:buNone/>
-                </a:pPr>
-                <a:endParaRPr lang="en-US" sz="3000" dirty="0" smtClean="0"/>
-              </a:p>
-              <a:p>
-                <a:pPr marL="0" indent="0">
-                  <a:buNone/>
-                </a:pPr>
-                <a:endParaRPr lang="en-US" sz="3000" dirty="0"/>
-              </a:p>
-            </p:txBody>
-          </p:sp>
-        </mc:Choice>
-        <mc:Fallback xmlns="">
-          <p:sp>
-            <p:nvSpPr>
-              <p:cNvPr id="3" name="Content Placeholder 2"/>
-              <p:cNvSpPr>
-                <a:spLocks noGrp="1" noRot="1" noChangeAspect="1" noMove="1" noResize="1" noEditPoints="1" noAdjustHandles="1" noChangeArrowheads="1" noChangeShapeType="1" noTextEdit="1"/>
-              </p:cNvSpPr>
-              <p:nvPr>
-                <p:ph idx="1"/>
-              </p:nvPr>
-            </p:nvSpPr>
-            <p:spPr>
-              <a:blipFill rotWithShape="0">
-                <a:blip r:embed="rId2"/>
-                <a:stretch>
-                  <a:fillRect l="-1460" r="-1587"/>
-                </a:stretch>
-              </a:blipFill>
-            </p:spPr>
-            <p:txBody>
-              <a:bodyPr/>
-              <a:lstStyle/>
-              <a:p>
-                <a:r>
-                  <a:rPr lang="en-US">
-                    <a:noFill/>
-                  </a:rPr>
-                  <a:t> </a:t>
-                </a:r>
-              </a:p>
-            </p:txBody>
-          </p:sp>
-        </mc:Fallback>
-      </mc:AlternateContent>
+      <p:sp>
+        <p:nvSpPr>
+          <p:cNvPr id="3" name="Content Placeholder 2"/>
+          <p:cNvSpPr>
+            <a:spLocks noGrp="1"/>
+          </p:cNvSpPr>
+          <p:nvPr>
+            <p:ph idx="1"/>
+          </p:nvPr>
+        </p:nvSpPr>
+        <p:spPr/>
+        <p:txBody>
+          <a:bodyPr/>
+          <a:lstStyle/>
+          <a:p>
+            <a:pPr marL="0" indent="0">
+              <a:buNone/>
+            </a:pPr>
+            <a:r>
+              <a:rPr lang="en-US" sz="3000" dirty="0" smtClean="0"/>
+              <a:t>A </a:t>
+            </a:r>
+            <a:r>
+              <a:rPr lang="en-US" sz="3000" dirty="0"/>
+              <a:t>population of </a:t>
+            </a:r>
+            <a:r>
+              <a:rPr lang="en-US" sz="3000" dirty="0" smtClean="0"/>
+              <a:t>120,750 </a:t>
+            </a:r>
+            <a:r>
+              <a:rPr lang="en-US" sz="3000" dirty="0"/>
+              <a:t>grows </a:t>
+            </a:r>
+            <a:r>
+              <a:rPr lang="en-US" sz="3000" dirty="0" smtClean="0"/>
+              <a:t>continuously at 5.3%. </a:t>
+            </a:r>
+            <a:r>
+              <a:rPr lang="en-US" sz="3000" dirty="0"/>
+              <a:t>What will the new population be after </a:t>
+            </a:r>
+            <a:r>
+              <a:rPr lang="en-US" sz="3000" dirty="0" smtClean="0"/>
+              <a:t>6 years</a:t>
+            </a:r>
+            <a:r>
+              <a:rPr lang="en-US" sz="3000" dirty="0"/>
+              <a:t>?</a:t>
+            </a:r>
+          </a:p>
+          <a:p>
+            <a:pPr marL="0" indent="0">
+              <a:buNone/>
+            </a:pPr>
+            <a:endParaRPr lang="en-US" sz="3000" b="0" dirty="0" smtClean="0"/>
+          </a:p>
+          <a:p>
+            <a:pPr marL="0" indent="0">
+              <a:buNone/>
+            </a:pPr>
+            <a:endParaRPr lang="en-US" sz="3000" dirty="0" smtClean="0"/>
+          </a:p>
+          <a:p>
+            <a:pPr marL="0" indent="0">
+              <a:buNone/>
+            </a:pPr>
+            <a:endParaRPr lang="en-US" sz="3000" dirty="0"/>
+          </a:p>
+          <a:p>
+            <a:pPr marL="0" indent="0">
+              <a:buNone/>
+            </a:pPr>
+            <a:endParaRPr lang="en-US" sz="3000" dirty="0" smtClean="0"/>
+          </a:p>
+          <a:p>
+            <a:pPr marL="0" indent="0">
+              <a:buNone/>
+            </a:pPr>
+            <a:endParaRPr lang="en-US" sz="3000" dirty="0"/>
+          </a:p>
+        </p:txBody>
+      </p:sp>
     </p:spTree>
     <p:extLst>
       <p:ext uri="{BB962C8B-B14F-4D97-AF65-F5344CB8AC3E}">
@@ -4904,6 +4507,13 @@
   <p:clrMapOvr>
     <a:masterClrMapping/>
   </p:clrMapOvr>
+  <p:timing>
+    <p:tnLst>
+      <p:par>
+        <p:cTn id="1" dur="indefinite" restart="never" nodeType="tmRoot"/>
+      </p:par>
+    </p:tnLst>
+  </p:timing>
 </p:sld>
 </file>
 
@@ -4998,6 +4608,13 @@
   <p:clrMapOvr>
     <a:masterClrMapping/>
   </p:clrMapOvr>
+  <p:timing>
+    <p:tnLst>
+      <p:par>
+        <p:cTn id="1" dur="indefinite" restart="never" nodeType="tmRoot"/>
+      </p:par>
+    </p:tnLst>
+  </p:timing>
 </p:sld>
 </file>
 
@@ -5028,70 +4645,17 @@
             <p:ph type="title"/>
           </p:nvPr>
         </p:nvSpPr>
-        <p:spPr>
-          <a:xfrm>
-            <a:off x="1371600" y="685799"/>
-            <a:ext cx="9601200" cy="1867829"/>
-          </a:xfrm>
-        </p:spPr>
-        <p:txBody>
-          <a:bodyPr>
-            <a:normAutofit fontScale="90000"/>
-          </a:bodyPr>
-          <a:lstStyle/>
-          <a:p>
-            <a:r>
-              <a:rPr lang="en-US" dirty="0" smtClean="0"/>
-              <a:t>Find key points to graph it on paper.</a:t>
-            </a:r>
-            <a:br>
-              <a:rPr lang="en-US" dirty="0" smtClean="0"/>
-            </a:br>
-            <a:r>
-              <a:rPr lang="en-US" dirty="0" smtClean="0"/>
-              <a:t>(y-intercept, x-intercept, and/or use trace button)</a:t>
-            </a:r>
-            <a:endParaRPr lang="en-US" dirty="0"/>
-          </a:p>
-        </p:txBody>
-      </p:sp>
-      <p:sp>
-        <p:nvSpPr>
-          <p:cNvPr id="3" name="Content Placeholder 2"/>
-          <p:cNvSpPr>
-            <a:spLocks noGrp="1"/>
-          </p:cNvSpPr>
-          <p:nvPr>
-            <p:ph idx="1"/>
-          </p:nvPr>
-        </p:nvSpPr>
-        <p:spPr>
-          <a:xfrm>
-            <a:off x="1371600" y="2843560"/>
-            <a:ext cx="3289610" cy="4014439"/>
-          </a:xfrm>
-        </p:spPr>
+        <p:spPr/>
         <p:txBody>
           <a:bodyPr>
             <a:normAutofit/>
           </a:bodyPr>
           <a:lstStyle/>
           <a:p>
-            <a:pPr marL="530352" lvl="1" indent="0">
-              <a:buNone/>
-            </a:pPr>
-            <a:endParaRPr lang="en-US" sz="3400" dirty="0" smtClean="0"/>
-          </a:p>
-          <a:p>
-            <a:pPr marL="530352" lvl="1" indent="0">
-              <a:buNone/>
-            </a:pPr>
-            <a:endParaRPr lang="en-US" dirty="0"/>
-          </a:p>
-          <a:p>
-            <a:pPr marL="530352" lvl="1" indent="0">
-              <a:buNone/>
-            </a:pPr>
+            <a:r>
+              <a:rPr lang="en-US" dirty="0" smtClean="0"/>
+              <a:t>Bell Work: How would you solve the following? </a:t>
+            </a:r>
             <a:endParaRPr lang="en-US" dirty="0"/>
           </a:p>
         </p:txBody>
@@ -5106,8 +4670,8 @@
             </p:nvSpPr>
             <p:spPr>
               <a:xfrm>
-                <a:off x="1371600" y="1731363"/>
-                <a:ext cx="2315699" cy="1846659"/>
+                <a:off x="1371600" y="2508735"/>
+                <a:ext cx="2594941" cy="615553"/>
               </a:xfrm>
               <a:prstGeom prst="rect">
                 <a:avLst/>
@@ -5120,68 +4684,31 @@
               </a:bodyPr>
               <a:lstStyle/>
               <a:p>
-                <a:endParaRPr lang="en-US" sz="4000" b="0" i="1" dirty="0" smtClean="0">
-                  <a:latin typeface="Cambria Math" panose="02040503050406030204" pitchFamily="18" charset="0"/>
-                </a:endParaRPr>
-              </a:p>
-              <a:p>
-                <a:endParaRPr lang="en-US" sz="4000" i="1" dirty="0">
-                  <a:latin typeface="Cambria Math" panose="02040503050406030204" pitchFamily="18" charset="0"/>
-                </a:endParaRPr>
-              </a:p>
-              <a:p>
-                <a:pPr/>
+                <a:r>
+                  <a:rPr lang="en-US" sz="4000" b="0" dirty="0" smtClean="0"/>
+                  <a:t>12</a:t>
+                </a:r>
                 <a14:m>
-                  <m:oMathPara xmlns:m="http://schemas.openxmlformats.org/officeDocument/2006/math">
-                    <m:oMathParaPr>
-                      <m:jc m:val="centerGroup"/>
-                    </m:oMathParaPr>
-                    <m:oMath xmlns:m="http://schemas.openxmlformats.org/officeDocument/2006/math">
-                      <m:r>
-                        <a:rPr lang="en-US" sz="4000" b="0" i="1" smtClean="0">
-                          <a:latin typeface="Cambria Math" panose="02040503050406030204" pitchFamily="18" charset="0"/>
-                        </a:rPr>
-                        <m:t>𝑦</m:t>
-                      </m:r>
-                      <m:r>
-                        <a:rPr lang="en-US" sz="4000" b="0" i="1" smtClean="0">
-                          <a:latin typeface="Cambria Math" panose="02040503050406030204" pitchFamily="18" charset="0"/>
-                        </a:rPr>
-                        <m:t>= </m:t>
-                      </m:r>
-                      <m:sSup>
-                        <m:sSupPr>
-                          <m:ctrlPr>
-                            <a:rPr lang="en-US" sz="4000" b="0" i="1" smtClean="0">
-                              <a:latin typeface="Cambria Math" panose="02040503050406030204" pitchFamily="18" charset="0"/>
-                            </a:rPr>
-                          </m:ctrlPr>
-                        </m:sSupPr>
-                        <m:e>
-                          <m:r>
-                            <a:rPr lang="en-US" sz="4000" b="0" i="1" smtClean="0">
-                              <a:latin typeface="Cambria Math" panose="02040503050406030204" pitchFamily="18" charset="0"/>
-                            </a:rPr>
-                            <m:t>2</m:t>
-                          </m:r>
-                        </m:e>
-                        <m:sup>
-                          <m:r>
-                            <a:rPr lang="en-US" sz="4000" b="0" i="1" smtClean="0">
-                              <a:latin typeface="Cambria Math" panose="02040503050406030204" pitchFamily="18" charset="0"/>
-                            </a:rPr>
-                            <m:t>𝑥</m:t>
-                          </m:r>
-                          <m:r>
-                            <a:rPr lang="en-US" sz="4000" b="0" i="1" smtClean="0">
-                              <a:latin typeface="Cambria Math" panose="02040503050406030204" pitchFamily="18" charset="0"/>
-                            </a:rPr>
-                            <m:t>−4</m:t>
-                          </m:r>
-                        </m:sup>
-                      </m:sSup>
-                    </m:oMath>
-                  </m:oMathPara>
+                  <m:oMath xmlns:m="http://schemas.openxmlformats.org/officeDocument/2006/math">
+                    <m:r>
+                      <a:rPr lang="en-US" sz="4000" b="0" i="1" smtClean="0">
+                        <a:latin typeface="Cambria Math" panose="02040503050406030204" pitchFamily="18" charset="0"/>
+                      </a:rPr>
+                      <m:t>=2</m:t>
+                    </m:r>
+                    <m:r>
+                      <a:rPr lang="en-US" sz="4000" b="0" i="1" smtClean="0">
+                        <a:latin typeface="Cambria Math" panose="02040503050406030204" pitchFamily="18" charset="0"/>
+                      </a:rPr>
+                      <m:t>𝑥</m:t>
+                    </m:r>
+                    <m:r>
+                      <a:rPr lang="en-US" sz="4000" b="0" i="1" smtClean="0">
+                        <a:latin typeface="Cambria Math" panose="02040503050406030204" pitchFamily="18" charset="0"/>
+                      </a:rPr>
+                      <m:t>−4</m:t>
+                    </m:r>
+                  </m:oMath>
                 </a14:m>
                 <a:endParaRPr lang="en-US" sz="4000" dirty="0"/>
               </a:p>
@@ -5199,8 +4726,8 @@
             </p:nvSpPr>
             <p:spPr>
               <a:xfrm>
-                <a:off x="1371600" y="1731363"/>
-                <a:ext cx="2315699" cy="1846659"/>
+                <a:off x="1371600" y="2508735"/>
+                <a:ext cx="2594941" cy="615553"/>
               </a:xfrm>
               <a:prstGeom prst="rect">
                 <a:avLst/>
@@ -5208,7 +4735,7 @@
               <a:blipFill rotWithShape="0">
                 <a:blip r:embed="rId2"/>
                 <a:stretch>
-                  <a:fillRect/>
+                  <a:fillRect l="-11737" t="-25743" b="-48515"/>
                 </a:stretch>
               </a:blipFill>
             </p:spPr>
@@ -5231,78 +4758,72 @@
         <mc:Choice Requires="a14">
           <p:sp>
             <p:nvSpPr>
-              <p:cNvPr id="5" name="TextBox 4"/>
-              <p:cNvSpPr txBox="1"/>
+              <p:cNvPr id="6" name="Rectangle 5"/>
+              <p:cNvSpPr/>
               <p:nvPr/>
             </p:nvSpPr>
             <p:spPr>
               <a:xfrm>
-                <a:off x="1371600" y="4294681"/>
-                <a:ext cx="3010055" cy="615553"/>
+                <a:off x="3608052" y="4307579"/>
+                <a:ext cx="3403624" cy="707886"/>
               </a:xfrm>
               <a:prstGeom prst="rect">
                 <a:avLst/>
               </a:prstGeom>
-              <a:noFill/>
             </p:spPr>
             <p:txBody>
-              <a:bodyPr wrap="none" lIns="0" tIns="0" rIns="0" bIns="0" rtlCol="0">
+              <a:bodyPr wrap="none">
                 <a:spAutoFit/>
               </a:bodyPr>
               <a:lstStyle/>
               <a:p>
-                <a:pPr/>
+                <a:pPr marL="530352" lvl="1" indent="0">
+                  <a:buNone/>
+                </a:pPr>
+                <a:r>
+                  <a:rPr lang="en-US" sz="4000" dirty="0" smtClean="0"/>
+                  <a:t>12</a:t>
+                </a:r>
                 <a14:m>
-                  <m:oMathPara xmlns:m="http://schemas.openxmlformats.org/officeDocument/2006/math">
-                    <m:oMathParaPr>
-                      <m:jc m:val="centerGroup"/>
-                    </m:oMathParaPr>
-                    <m:oMath xmlns:m="http://schemas.openxmlformats.org/officeDocument/2006/math">
-                      <m:r>
-                        <a:rPr lang="en-US" sz="4000" b="0" i="1" smtClean="0">
-                          <a:latin typeface="Cambria Math" panose="02040503050406030204" pitchFamily="18" charset="0"/>
-                        </a:rPr>
-                        <m:t>𝑦</m:t>
-                      </m:r>
-                      <m:r>
-                        <a:rPr lang="en-US" sz="4000" b="0" i="1" smtClean="0">
-                          <a:latin typeface="Cambria Math" panose="02040503050406030204" pitchFamily="18" charset="0"/>
-                        </a:rPr>
-                        <m:t>=0.</m:t>
-                      </m:r>
-                      <m:sSup>
-                        <m:sSupPr>
-                          <m:ctrlPr>
-                            <a:rPr lang="en-US" sz="4000" b="0" i="1" smtClean="0">
-                              <a:latin typeface="Cambria Math" panose="02040503050406030204" pitchFamily="18" charset="0"/>
-                            </a:rPr>
-                          </m:ctrlPr>
-                        </m:sSupPr>
-                        <m:e>
-                          <m:r>
-                            <a:rPr lang="en-US" sz="4000" b="0" i="1" smtClean="0">
-                              <a:latin typeface="Cambria Math" panose="02040503050406030204" pitchFamily="18" charset="0"/>
-                            </a:rPr>
-                            <m:t>3</m:t>
-                          </m:r>
-                        </m:e>
-                        <m:sup>
-                          <m:r>
-                            <a:rPr lang="en-US" sz="4000" b="0" i="1" smtClean="0">
-                              <a:latin typeface="Cambria Math" panose="02040503050406030204" pitchFamily="18" charset="0"/>
-                            </a:rPr>
-                            <m:t>𝑥</m:t>
-                          </m:r>
-                        </m:sup>
-                      </m:sSup>
-                      <m:r>
-                        <a:rPr lang="en-US" sz="4000" b="0" i="0" smtClean="0">
-                          <a:latin typeface="Cambria Math" panose="02040503050406030204" pitchFamily="18" charset="0"/>
-                        </a:rPr>
-                        <m:t>+4</m:t>
-                      </m:r>
-                    </m:oMath>
-                  </m:oMathPara>
+                  <m:oMath xmlns:m="http://schemas.openxmlformats.org/officeDocument/2006/math">
+                    <m:r>
+                      <a:rPr lang="en-US" sz="4000">
+                        <a:latin typeface="Cambria Math" panose="02040503050406030204" pitchFamily="18" charset="0"/>
+                      </a:rPr>
+                      <m:t>= </m:t>
+                    </m:r>
+                    <m:sSup>
+                      <m:sSupPr>
+                        <m:ctrlPr>
+                          <a:rPr lang="en-US" sz="4000" i="1">
+                            <a:latin typeface="Cambria Math" panose="02040503050406030204" pitchFamily="18" charset="0"/>
+                          </a:rPr>
+                        </m:ctrlPr>
+                      </m:sSupPr>
+                      <m:e>
+                        <m:r>
+                          <a:rPr lang="en-US" sz="4000">
+                            <a:latin typeface="Cambria Math" panose="02040503050406030204" pitchFamily="18" charset="0"/>
+                          </a:rPr>
+                          <m:t>2</m:t>
+                        </m:r>
+                      </m:e>
+                      <m:sup>
+                        <m:r>
+                          <a:rPr lang="en-US" sz="4000">
+                            <a:latin typeface="Cambria Math" panose="02040503050406030204" pitchFamily="18" charset="0"/>
+                          </a:rPr>
+                          <m:t>𝑥</m:t>
+                        </m:r>
+                      </m:sup>
+                    </m:sSup>
+                    <m:r>
+                      <a:rPr lang="en-US" sz="4000" b="0" i="1" smtClean="0">
+                        <a:latin typeface="Cambria Math" panose="02040503050406030204" pitchFamily="18" charset="0"/>
+                      </a:rPr>
+                      <m:t>−4</m:t>
+                    </m:r>
+                  </m:oMath>
                 </a14:m>
                 <a:endParaRPr lang="en-US" sz="4000" dirty="0"/>
               </a:p>
@@ -5312,16 +4833,16 @@
         <mc:Fallback xmlns="">
           <p:sp>
             <p:nvSpPr>
-              <p:cNvPr id="5" name="TextBox 4"/>
-              <p:cNvSpPr txBox="1">
+              <p:cNvPr id="6" name="Rectangle 5"/>
+              <p:cNvSpPr>
                 <a:spLocks noRot="1" noChangeAspect="1" noMove="1" noResize="1" noEditPoints="1" noAdjustHandles="1" noChangeArrowheads="1" noChangeShapeType="1" noTextEdit="1"/>
               </p:cNvSpPr>
               <p:nvPr/>
             </p:nvSpPr>
             <p:spPr>
               <a:xfrm>
-                <a:off x="1371600" y="4294681"/>
-                <a:ext cx="3010055" cy="615553"/>
+                <a:off x="3608052" y="4307579"/>
+                <a:ext cx="3403624" cy="707886"/>
               </a:xfrm>
               <a:prstGeom prst="rect">
                 <a:avLst/>
@@ -5329,7 +4850,119 @@
               <a:blipFill rotWithShape="0">
                 <a:blip r:embed="rId3"/>
                 <a:stretch>
-                  <a:fillRect/>
+                  <a:fillRect t="-15517" b="-36207"/>
+                </a:stretch>
+              </a:blipFill>
+            </p:spPr>
+            <p:txBody>
+              <a:bodyPr/>
+              <a:lstStyle/>
+              <a:p>
+                <a:r>
+                  <a:rPr lang="en-US">
+                    <a:noFill/>
+                  </a:rPr>
+                  <a:t> </a:t>
+                </a:r>
+              </a:p>
+            </p:txBody>
+          </p:sp>
+        </mc:Fallback>
+      </mc:AlternateContent>
+      <mc:AlternateContent xmlns:mc="http://schemas.openxmlformats.org/markup-compatibility/2006" xmlns:a14="http://schemas.microsoft.com/office/drawing/2010/main">
+        <mc:Choice Requires="a14">
+          <p:sp>
+            <p:nvSpPr>
+              <p:cNvPr id="7" name="Rectangle 6"/>
+              <p:cNvSpPr/>
+              <p:nvPr/>
+            </p:nvSpPr>
+            <p:spPr>
+              <a:xfrm>
+                <a:off x="7011676" y="2416402"/>
+                <a:ext cx="2746073" cy="707886"/>
+              </a:xfrm>
+              <a:prstGeom prst="rect">
+                <a:avLst/>
+              </a:prstGeom>
+            </p:spPr>
+            <p:txBody>
+              <a:bodyPr wrap="none">
+                <a:spAutoFit/>
+              </a:bodyPr>
+              <a:lstStyle/>
+              <a:p>
+                <a:r>
+                  <a:rPr lang="en-US" sz="4000" dirty="0"/>
+                  <a:t>12</a:t>
+                </a:r>
+                <a14:m>
+                  <m:oMath xmlns:m="http://schemas.openxmlformats.org/officeDocument/2006/math">
+                    <m:r>
+                      <a:rPr lang="en-US" sz="4000" i="1">
+                        <a:latin typeface="Cambria Math" panose="02040503050406030204" pitchFamily="18" charset="0"/>
+                      </a:rPr>
+                      <m:t>=</m:t>
+                    </m:r>
+                    <m:sSup>
+                      <m:sSupPr>
+                        <m:ctrlPr>
+                          <a:rPr lang="en-US" sz="4000" i="1">
+                            <a:latin typeface="Cambria Math" panose="02040503050406030204" pitchFamily="18" charset="0"/>
+                          </a:rPr>
+                        </m:ctrlPr>
+                      </m:sSupPr>
+                      <m:e>
+                        <m:r>
+                          <a:rPr lang="en-US" sz="4000" i="1">
+                            <a:latin typeface="Cambria Math" panose="02040503050406030204" pitchFamily="18" charset="0"/>
+                          </a:rPr>
+                          <m:t>𝑥</m:t>
+                        </m:r>
+                      </m:e>
+                      <m:sup>
+                        <m:r>
+                          <a:rPr lang="en-US" sz="4000" i="1">
+                            <a:latin typeface="Cambria Math" panose="02040503050406030204" pitchFamily="18" charset="0"/>
+                          </a:rPr>
+                          <m:t>2</m:t>
+                        </m:r>
+                      </m:sup>
+                    </m:sSup>
+                    <m:r>
+                      <a:rPr lang="en-US" sz="4000">
+                        <a:latin typeface="Cambria Math" panose="02040503050406030204" pitchFamily="18" charset="0"/>
+                      </a:rPr>
+                      <m:t>−4</m:t>
+                    </m:r>
+                  </m:oMath>
+                </a14:m>
+                <a:endParaRPr lang="en-US" sz="4000" dirty="0"/>
+              </a:p>
+            </p:txBody>
+          </p:sp>
+        </mc:Choice>
+        <mc:Fallback xmlns="">
+          <p:sp>
+            <p:nvSpPr>
+              <p:cNvPr id="7" name="Rectangle 6"/>
+              <p:cNvSpPr>
+                <a:spLocks noRot="1" noChangeAspect="1" noMove="1" noResize="1" noEditPoints="1" noAdjustHandles="1" noChangeArrowheads="1" noChangeShapeType="1" noTextEdit="1"/>
+              </p:cNvSpPr>
+              <p:nvPr/>
+            </p:nvSpPr>
+            <p:spPr>
+              <a:xfrm>
+                <a:off x="7011676" y="2416402"/>
+                <a:ext cx="2746073" cy="707886"/>
+              </a:xfrm>
+              <a:prstGeom prst="rect">
+                <a:avLst/>
+              </a:prstGeom>
+              <a:blipFill rotWithShape="0">
+                <a:blip r:embed="rId4"/>
+                <a:stretch>
+                  <a:fillRect l="-7761" t="-15385" b="-35043"/>
                 </a:stretch>
               </a:blipFill>
             </p:spPr>
@@ -5351,13 +4984,20 @@
     </p:spTree>
     <p:extLst>
       <p:ext uri="{BB962C8B-B14F-4D97-AF65-F5344CB8AC3E}">
-        <p14:creationId xmlns:p14="http://schemas.microsoft.com/office/powerpoint/2010/main" val="2229861179"/>
+        <p14:creationId xmlns:p14="http://schemas.microsoft.com/office/powerpoint/2010/main" val="2105473934"/>
       </p:ext>
     </p:extLst>
   </p:cSld>
   <p:clrMapOvr>
     <a:masterClrMapping/>
   </p:clrMapOvr>
+  <p:timing>
+    <p:tnLst>
+      <p:par>
+        <p:cTn id="1" dur="indefinite" restart="never" nodeType="tmRoot"/>
+      </p:par>
+    </p:tnLst>
+  </p:timing>
 </p:sld>
 </file>
 
@@ -5385,53 +5025,114 @@
             <a:spLocks noGrp="1"/>
           </p:cNvSpPr>
           <p:nvPr>
-            <p:ph type="ctrTitle"/>
-          </p:nvPr>
-        </p:nvSpPr>
-        <p:spPr/>
-        <p:txBody>
-          <a:bodyPr/>
+            <p:ph type="title"/>
+          </p:nvPr>
+        </p:nvSpPr>
+        <p:spPr>
+          <a:xfrm>
+            <a:off x="1371599" y="407624"/>
+            <a:ext cx="10152043" cy="1764076"/>
+          </a:xfrm>
+        </p:spPr>
+        <p:txBody>
+          <a:bodyPr>
+            <a:normAutofit/>
+          </a:bodyPr>
           <a:lstStyle/>
           <a:p>
             <a:r>
-              <a:rPr lang="en-US" dirty="0" smtClean="0"/>
-              <a:t>Algebra 4</a:t>
-            </a:r>
-            <a:endParaRPr lang="en-US" dirty="0"/>
-          </a:p>
-        </p:txBody>
-      </p:sp>
-      <p:sp>
-        <p:nvSpPr>
-          <p:cNvPr id="3" name="Subtitle 2"/>
-          <p:cNvSpPr>
-            <a:spLocks noGrp="1"/>
-          </p:cNvSpPr>
-          <p:nvPr>
-            <p:ph type="subTitle" idx="1"/>
-          </p:nvPr>
-        </p:nvSpPr>
-        <p:spPr/>
-        <p:txBody>
-          <a:bodyPr/>
+              <a:rPr lang="en-US" sz="3600" b="1" u="sng" dirty="0" smtClean="0"/>
+              <a:t>7.1 Exploring Exponential Models</a:t>
+            </a:r>
+            <a:br>
+              <a:rPr lang="en-US" sz="3600" b="1" u="sng" dirty="0" smtClean="0"/>
+            </a:br>
+            <a:r>
+              <a:rPr lang="en-US" sz="3600" b="1" u="sng" dirty="0" smtClean="0"/>
+              <a:t>7.2 Properties of Exponential Functions</a:t>
+            </a:r>
+            <a:r>
+              <a:rPr lang="en-US" sz="3600" dirty="0"/>
+              <a:t/>
+            </a:r>
+            <a:br>
+              <a:rPr lang="en-US" sz="3600" dirty="0"/>
+            </a:br>
+            <a:endParaRPr lang="en-US" b="1" u="sng" dirty="0"/>
+          </a:p>
+        </p:txBody>
+      </p:sp>
+      <p:sp>
+        <p:nvSpPr>
+          <p:cNvPr id="3" name="Content Placeholder 2"/>
+          <p:cNvSpPr>
+            <a:spLocks noGrp="1"/>
+          </p:cNvSpPr>
+          <p:nvPr>
+            <p:ph idx="1"/>
+          </p:nvPr>
+        </p:nvSpPr>
+        <p:spPr>
+          <a:xfrm>
+            <a:off x="1371597" y="2354941"/>
+            <a:ext cx="10425659" cy="4225741"/>
+          </a:xfrm>
+        </p:spPr>
+        <p:txBody>
+          <a:bodyPr>
+            <a:noAutofit/>
+          </a:bodyPr>
           <a:lstStyle/>
           <a:p>
             <a:r>
-              <a:rPr lang="en-US" smtClean="0"/>
-              <a:t>Day </a:t>
-            </a:r>
-            <a:r>
-              <a:rPr lang="en-US" smtClean="0"/>
-              <a:t>72</a:t>
-            </a:r>
-            <a:endParaRPr lang="en-US" dirty="0"/>
+              <a:rPr lang="en-US" sz="3200" b="1" dirty="0" smtClean="0"/>
+              <a:t>Objectives: </a:t>
+            </a:r>
+          </a:p>
+          <a:p>
+            <a:pPr marL="530352" lvl="1" indent="0">
+              <a:buNone/>
+            </a:pPr>
+            <a:r>
+              <a:rPr lang="en-US" sz="3200" b="1" dirty="0" smtClean="0"/>
+              <a:t>Model Exponential Growth and Decay</a:t>
+            </a:r>
+          </a:p>
+          <a:p>
+            <a:pPr marL="530352" lvl="1" indent="0">
+              <a:buNone/>
+            </a:pPr>
+            <a:endParaRPr lang="en-US" sz="3200" b="1" dirty="0"/>
+          </a:p>
+          <a:p>
+            <a:pPr marL="530352" lvl="1" indent="0">
+              <a:buNone/>
+            </a:pPr>
+            <a:r>
+              <a:rPr lang="en-US" sz="3200" b="1" dirty="0" smtClean="0"/>
+              <a:t>Evaluate </a:t>
+            </a:r>
+            <a:r>
+              <a:rPr lang="en-US" sz="3200" b="1" dirty="0"/>
+              <a:t>exponential functions with base a (and base e</a:t>
+            </a:r>
+            <a:r>
+              <a:rPr lang="en-US" sz="3200" b="1" dirty="0" smtClean="0"/>
+              <a:t>)</a:t>
+            </a:r>
+          </a:p>
+          <a:p>
+            <a:pPr marL="530352" lvl="1" indent="0">
+              <a:buNone/>
+            </a:pPr>
+            <a:endParaRPr lang="en-US" sz="3200" b="1" dirty="0"/>
           </a:p>
         </p:txBody>
       </p:sp>
     </p:spTree>
     <p:extLst>
       <p:ext uri="{BB962C8B-B14F-4D97-AF65-F5344CB8AC3E}">
-        <p14:creationId xmlns:p14="http://schemas.microsoft.com/office/powerpoint/2010/main" val="1580792776"/>
+        <p14:creationId xmlns:p14="http://schemas.microsoft.com/office/powerpoint/2010/main" val="4076360578"/>
       </p:ext>
     </p:extLst>
   </p:cSld>
@@ -5449,160 +5150,6 @@
 </file>
 
 <file path=ppt/slides/slide4.xml><?xml version="1.0" encoding="utf-8"?>
-<p:sld xmlns:a="http://schemas.openxmlformats.org/drawingml/2006/main" xmlns:r="http://schemas.openxmlformats.org/officeDocument/2006/relationships" xmlns:p="http://schemas.openxmlformats.org/presentationml/2006/main">
-  <p:cSld>
-    <p:spTree>
-      <p:nvGrpSpPr>
-        <p:cNvPr id="1" name=""/>
-        <p:cNvGrpSpPr/>
-        <p:nvPr/>
-      </p:nvGrpSpPr>
-      <p:grpSpPr>
-        <a:xfrm>
-          <a:off x="0" y="0"/>
-          <a:ext cx="0" cy="0"/>
-          <a:chOff x="0" y="0"/>
-          <a:chExt cx="0" cy="0"/>
-        </a:xfrm>
-      </p:grpSpPr>
-      <p:sp>
-        <p:nvSpPr>
-          <p:cNvPr id="2" name="Title 1"/>
-          <p:cNvSpPr>
-            <a:spLocks noGrp="1"/>
-          </p:cNvSpPr>
-          <p:nvPr>
-            <p:ph type="title"/>
-          </p:nvPr>
-        </p:nvSpPr>
-        <p:spPr>
-          <a:xfrm>
-            <a:off x="1371599" y="407624"/>
-            <a:ext cx="10152043" cy="1764076"/>
-          </a:xfrm>
-        </p:spPr>
-        <p:txBody>
-          <a:bodyPr>
-            <a:normAutofit/>
-          </a:bodyPr>
-          <a:lstStyle/>
-          <a:p>
-            <a:r>
-              <a:rPr lang="en-US" sz="3600" b="1" u="sng" dirty="0" smtClean="0"/>
-              <a:t>7.1 Exploring Exponential Models</a:t>
-            </a:r>
-            <a:br>
-              <a:rPr lang="en-US" sz="3600" b="1" u="sng" dirty="0" smtClean="0"/>
-            </a:br>
-            <a:r>
-              <a:rPr lang="en-US" sz="3600" b="1" u="sng" dirty="0" smtClean="0"/>
-              <a:t>7.2 Properties of Exponential Functions</a:t>
-            </a:r>
-            <a:r>
-              <a:rPr lang="en-US" sz="3600" dirty="0"/>
-              <a:t/>
-            </a:r>
-            <a:br>
-              <a:rPr lang="en-US" sz="3600" dirty="0"/>
-            </a:br>
-            <a:r>
-              <a:rPr lang="en-US" sz="3600" b="1" u="sng" dirty="0" smtClean="0"/>
-              <a:t>7.3 Logarithmic Functions as Inverses</a:t>
-            </a:r>
-            <a:endParaRPr lang="en-US" b="1" u="sng" dirty="0"/>
-          </a:p>
-        </p:txBody>
-      </p:sp>
-      <p:sp>
-        <p:nvSpPr>
-          <p:cNvPr id="3" name="Content Placeholder 2"/>
-          <p:cNvSpPr>
-            <a:spLocks noGrp="1"/>
-          </p:cNvSpPr>
-          <p:nvPr>
-            <p:ph idx="1"/>
-          </p:nvPr>
-        </p:nvSpPr>
-        <p:spPr>
-          <a:xfrm>
-            <a:off x="1371597" y="2354941"/>
-            <a:ext cx="10425659" cy="4225741"/>
-          </a:xfrm>
-        </p:spPr>
-        <p:txBody>
-          <a:bodyPr>
-            <a:noAutofit/>
-          </a:bodyPr>
-          <a:lstStyle/>
-          <a:p>
-            <a:r>
-              <a:rPr lang="en-US" sz="3200" b="1" dirty="0" smtClean="0"/>
-              <a:t>Objectives: </a:t>
-            </a:r>
-          </a:p>
-          <a:p>
-            <a:pPr marL="530352" lvl="1" indent="0">
-              <a:buNone/>
-            </a:pPr>
-            <a:r>
-              <a:rPr lang="en-US" sz="3200" b="1" dirty="0" smtClean="0"/>
-              <a:t>Model Exponential Growth and Decay</a:t>
-            </a:r>
-          </a:p>
-          <a:p>
-            <a:pPr marL="530352" lvl="1" indent="0">
-              <a:buNone/>
-            </a:pPr>
-            <a:endParaRPr lang="en-US" sz="3200" b="1" dirty="0"/>
-          </a:p>
-          <a:p>
-            <a:pPr marL="530352" lvl="1" indent="0">
-              <a:buNone/>
-            </a:pPr>
-            <a:r>
-              <a:rPr lang="en-US" sz="3200" b="1" dirty="0" smtClean="0"/>
-              <a:t>Evaluate </a:t>
-            </a:r>
-            <a:r>
-              <a:rPr lang="en-US" sz="3200" b="1" dirty="0"/>
-              <a:t>exponential functions with base a (and base e</a:t>
-            </a:r>
-            <a:r>
-              <a:rPr lang="en-US" sz="3200" b="1" dirty="0" smtClean="0"/>
-              <a:t>)</a:t>
-            </a:r>
-          </a:p>
-          <a:p>
-            <a:pPr marL="530352" lvl="1" indent="0">
-              <a:buNone/>
-            </a:pPr>
-            <a:endParaRPr lang="en-US" sz="3200" b="1" dirty="0"/>
-          </a:p>
-          <a:p>
-            <a:pPr marL="530352" lvl="1" indent="0">
-              <a:buNone/>
-            </a:pPr>
-            <a:r>
-              <a:rPr lang="en-US" sz="3200" b="1" dirty="0" smtClean="0"/>
-              <a:t>To write and evaluate logarithmic expressions</a:t>
-            </a:r>
-          </a:p>
-        </p:txBody>
-      </p:sp>
-    </p:spTree>
-    <p:extLst>
-      <p:ext uri="{BB962C8B-B14F-4D97-AF65-F5344CB8AC3E}">
-        <p14:creationId xmlns:p14="http://schemas.microsoft.com/office/powerpoint/2010/main" val="4076360578"/>
-      </p:ext>
-    </p:extLst>
-  </p:cSld>
-  <p:clrMapOvr>
-    <a:masterClrMapping/>
-  </p:clrMapOvr>
-</p:sld>
-</file>
-
-<file path=ppt/slides/slide5.xml><?xml version="1.0" encoding="utf-8"?>
 <p:sld xmlns:a="http://schemas.openxmlformats.org/drawingml/2006/main" xmlns:r="http://schemas.openxmlformats.org/officeDocument/2006/relationships" xmlns:p="http://schemas.openxmlformats.org/presentationml/2006/main">
   <p:cSld>
     <p:spTree>
@@ -5826,78 +5373,98 @@
                       <m:t>𝑏</m:t>
                     </m:r>
                     <m:r>
-                      <a:rPr lang="en-US" sz="4000" i="1">
+                      <a:rPr lang="en-US" sz="4000" b="0" i="1" smtClean="0">
                         <a:latin typeface="Cambria Math" panose="02040503050406030204" pitchFamily="18" charset="0"/>
                       </a:rPr>
-                      <m:t>≠1 </m:t>
-                    </m:r>
-                    <m:r>
-                      <a:rPr lang="en-US" sz="4000" i="1">
-                        <a:latin typeface="Cambria Math" panose="02040503050406030204" pitchFamily="18" charset="0"/>
-                      </a:rPr>
-                      <m:t>𝑎𝑛𝑑</m:t>
-                    </m:r>
-                    <m:r>
-                      <a:rPr lang="en-US" sz="4000" i="1">
-                        <a:latin typeface="Cambria Math" panose="02040503050406030204" pitchFamily="18" charset="0"/>
-                      </a:rPr>
-                      <m:t> </m:t>
-                    </m:r>
-                    <m:r>
-                      <a:rPr lang="en-US" sz="4000" i="1">
-                        <a:latin typeface="Cambria Math" panose="02040503050406030204" pitchFamily="18" charset="0"/>
-                      </a:rPr>
-                      <m:t>𝑥</m:t>
-                    </m:r>
-                    <m:r>
-                      <a:rPr lang="en-US" sz="4000" i="1">
-                        <a:latin typeface="Cambria Math" panose="02040503050406030204" pitchFamily="18" charset="0"/>
-                      </a:rPr>
-                      <m:t> </m:t>
-                    </m:r>
-                    <m:r>
-                      <a:rPr lang="en-US" sz="4000" i="1">
-                        <a:latin typeface="Cambria Math" panose="02040503050406030204" pitchFamily="18" charset="0"/>
-                      </a:rPr>
-                      <m:t>𝑖𝑠</m:t>
-                    </m:r>
-                    <m:r>
-                      <a:rPr lang="en-US" sz="4000" i="1">
-                        <a:latin typeface="Cambria Math" panose="02040503050406030204" pitchFamily="18" charset="0"/>
-                      </a:rPr>
-                      <m:t> </m:t>
-                    </m:r>
-                    <m:r>
-                      <a:rPr lang="en-US" sz="4000" i="1">
-                        <a:latin typeface="Cambria Math" panose="02040503050406030204" pitchFamily="18" charset="0"/>
-                      </a:rPr>
-                      <m:t>𝑎𝑛𝑦</m:t>
-                    </m:r>
-                    <m:r>
-                      <a:rPr lang="en-US" sz="4000" i="1">
-                        <a:latin typeface="Cambria Math" panose="02040503050406030204" pitchFamily="18" charset="0"/>
-                      </a:rPr>
-                      <m:t> </m:t>
-                    </m:r>
-                    <m:r>
-                      <a:rPr lang="en-US" sz="4000" i="1">
-                        <a:latin typeface="Cambria Math" panose="02040503050406030204" pitchFamily="18" charset="0"/>
-                      </a:rPr>
-                      <m:t>𝑟𝑒𝑎𝑙</m:t>
-                    </m:r>
-                    <m:r>
-                      <a:rPr lang="en-US" sz="4000" i="1">
-                        <a:latin typeface="Cambria Math" panose="02040503050406030204" pitchFamily="18" charset="0"/>
-                      </a:rPr>
-                      <m:t> </m:t>
-                    </m:r>
-                    <m:r>
-                      <a:rPr lang="en-US" sz="4000" i="1">
-                        <a:latin typeface="Cambria Math" panose="02040503050406030204" pitchFamily="18" charset="0"/>
-                      </a:rPr>
-                      <m:t>𝑛𝑢𝑚𝑏𝑒𝑟</m:t>
+                      <m:t>=1 </m:t>
                     </m:r>
                   </m:oMath>
+                </a14:m>
+                <a:r>
+                  <a:rPr lang="en-US" sz="4000" i="1" dirty="0" smtClean="0">
+                    <a:latin typeface="Cambria Math" panose="02040503050406030204" pitchFamily="18" charset="0"/>
+                  </a:rPr>
+                  <a:t/>
+                </a:r>
+                <a:br>
+                  <a:rPr lang="en-US" sz="4000" i="1" dirty="0" smtClean="0">
+                    <a:latin typeface="Cambria Math" panose="02040503050406030204" pitchFamily="18" charset="0"/>
+                  </a:rPr>
+                </a:br>
+                <a14:m>
+                  <m:oMathPara xmlns:m="http://schemas.openxmlformats.org/officeDocument/2006/math">
+                    <m:oMathParaPr>
+                      <m:jc m:val="left"/>
+                    </m:oMathParaPr>
+                    <m:oMath xmlns:m="http://schemas.openxmlformats.org/officeDocument/2006/math">
+                      <m:r>
+                        <a:rPr lang="en-US" sz="4000" i="1">
+                          <a:latin typeface="Cambria Math" panose="02040503050406030204" pitchFamily="18" charset="0"/>
+                        </a:rPr>
+                        <m:t>𝑎𝑛𝑑</m:t>
+                      </m:r>
+                      <m:r>
+                        <a:rPr lang="en-US" sz="4000" i="1">
+                          <a:latin typeface="Cambria Math" panose="02040503050406030204" pitchFamily="18" charset="0"/>
+                        </a:rPr>
+                        <m:t> </m:t>
+                      </m:r>
+                      <m:r>
+                        <a:rPr lang="en-US" sz="4000" i="1">
+                          <a:latin typeface="Cambria Math" panose="02040503050406030204" pitchFamily="18" charset="0"/>
+                        </a:rPr>
+                        <m:t>𝑥</m:t>
+                      </m:r>
+                      <m:r>
+                        <a:rPr lang="en-US" sz="4000" i="1">
+                          <a:latin typeface="Cambria Math" panose="02040503050406030204" pitchFamily="18" charset="0"/>
+                        </a:rPr>
+                        <m:t> </m:t>
+                      </m:r>
+                      <m:r>
+                        <a:rPr lang="en-US" sz="4000" i="1">
+                          <a:latin typeface="Cambria Math" panose="02040503050406030204" pitchFamily="18" charset="0"/>
+                        </a:rPr>
+                        <m:t>𝑖𝑠</m:t>
+                      </m:r>
+                      <m:r>
+                        <a:rPr lang="en-US" sz="4000" i="1">
+                          <a:latin typeface="Cambria Math" panose="02040503050406030204" pitchFamily="18" charset="0"/>
+                        </a:rPr>
+                        <m:t> </m:t>
+                      </m:r>
+                      <m:r>
+                        <a:rPr lang="en-US" sz="4000" i="1">
+                          <a:latin typeface="Cambria Math" panose="02040503050406030204" pitchFamily="18" charset="0"/>
+                        </a:rPr>
+                        <m:t>𝑎𝑛𝑦</m:t>
+                      </m:r>
+                      <m:r>
+                        <a:rPr lang="en-US" sz="4000" i="1">
+                          <a:latin typeface="Cambria Math" panose="02040503050406030204" pitchFamily="18" charset="0"/>
+                        </a:rPr>
+                        <m:t> </m:t>
+                      </m:r>
+                      <m:r>
+                        <a:rPr lang="en-US" sz="4000" i="1">
+                          <a:latin typeface="Cambria Math" panose="02040503050406030204" pitchFamily="18" charset="0"/>
+                        </a:rPr>
+                        <m:t>𝑟𝑒𝑎𝑙</m:t>
+                      </m:r>
+                      <m:r>
+                        <a:rPr lang="en-US" sz="4000" i="1">
+                          <a:latin typeface="Cambria Math" panose="02040503050406030204" pitchFamily="18" charset="0"/>
+                        </a:rPr>
+                        <m:t> </m:t>
+                      </m:r>
+                      <m:r>
+                        <a:rPr lang="en-US" sz="4000" i="1">
+                          <a:latin typeface="Cambria Math" panose="02040503050406030204" pitchFamily="18" charset="0"/>
+                        </a:rPr>
+                        <m:t>𝑛𝑢𝑚𝑏𝑒𝑟</m:t>
+                      </m:r>
+                    </m:oMath>
+                  </m:oMathPara>
                 </a14:m>
                 <a:endParaRPr lang="en-US" sz="4000" dirty="0" smtClean="0"/>
               </a:p>
@@ -5978,10 +5545,17 @@
   <p:clrMapOvr>
     <a:masterClrMapping/>
   </p:clrMapOvr>
+  <p:timing>
+    <p:tnLst>
+      <p:par>
+        <p:cTn id="1" dur="indefinite" restart="never" nodeType="tmRoot"/>
+      </p:par>
+    </p:tnLst>
+  </p:timing>
 </p:sld>
 </file>
 
-<file path=ppt/slides/slide6.xml><?xml version="1.0" encoding="utf-8"?>
+<file path=ppt/slides/slide5.xml><?xml version="1.0" encoding="utf-8"?>
 <p:sld xmlns:a="http://schemas.openxmlformats.org/drawingml/2006/main" xmlns:r="http://schemas.openxmlformats.org/officeDocument/2006/relationships" xmlns:p="http://schemas.openxmlformats.org/presentationml/2006/main">
   <p:cSld>
     <p:spTree>
@@ -6174,16 +5748,6 @@
                 </a:pPr>
                 <a:endParaRPr lang="en-US" sz="3000" dirty="0"/>
               </a:p>
-              <a:p>
-                <a:pPr marL="0" indent="0">
-                  <a:buNone/>
-                </a:pPr>
-                <a:r>
-                  <a:rPr lang="en-US" sz="3000" dirty="0" smtClean="0"/>
-                  <a:t>Note: you could just graph and look (like bell work) to determine</a:t>
-                </a:r>
-                <a:endParaRPr lang="en-US" sz="3000" dirty="0"/>
-              </a:p>
             </p:txBody>
           </p:sp>
         </mc:Choice>
@@ -6235,6 +5799,801 @@
   <p:clrMapOvr>
     <a:masterClrMapping/>
   </p:clrMapOvr>
+  <p:timing>
+    <p:tnLst>
+      <p:par>
+        <p:cTn id="1" dur="indefinite" restart="never" nodeType="tmRoot"/>
+      </p:par>
+    </p:tnLst>
+  </p:timing>
+</p:sld>
+</file>
+
+<file path=ppt/slides/slide6.xml><?xml version="1.0" encoding="utf-8"?>
+<p:sld xmlns:a="http://schemas.openxmlformats.org/drawingml/2006/main" xmlns:r="http://schemas.openxmlformats.org/officeDocument/2006/relationships" xmlns:p="http://schemas.openxmlformats.org/presentationml/2006/main">
+  <p:cSld>
+    <p:spTree>
+      <p:nvGrpSpPr>
+        <p:cNvPr id="1" name=""/>
+        <p:cNvGrpSpPr/>
+        <p:nvPr/>
+      </p:nvGrpSpPr>
+      <p:grpSpPr>
+        <a:xfrm>
+          <a:off x="0" y="0"/>
+          <a:ext cx="0" cy="0"/>
+          <a:chOff x="0" y="0"/>
+          <a:chExt cx="0" cy="0"/>
+        </a:xfrm>
+      </p:grpSpPr>
+      <p:sp>
+        <p:nvSpPr>
+          <p:cNvPr id="2" name="Title 1"/>
+          <p:cNvSpPr>
+            <a:spLocks noGrp="1"/>
+          </p:cNvSpPr>
+          <p:nvPr>
+            <p:ph type="title"/>
+          </p:nvPr>
+        </p:nvSpPr>
+        <p:spPr/>
+        <p:txBody>
+          <a:bodyPr/>
+          <a:lstStyle/>
+          <a:p>
+            <a:r>
+              <a:rPr lang="en-US" dirty="0" smtClean="0"/>
+              <a:t>Growth or Decay</a:t>
+            </a:r>
+            <a:endParaRPr lang="en-US" dirty="0"/>
+          </a:p>
+        </p:txBody>
+      </p:sp>
+      <mc:AlternateContent xmlns:mc="http://schemas.openxmlformats.org/markup-compatibility/2006" xmlns:a14="http://schemas.microsoft.com/office/drawing/2010/main">
+        <mc:Choice Requires="a14">
+          <p:sp>
+            <p:nvSpPr>
+              <p:cNvPr id="4" name="Rectangle 3"/>
+              <p:cNvSpPr/>
+              <p:nvPr/>
+            </p:nvSpPr>
+            <p:spPr>
+              <a:xfrm>
+                <a:off x="1431558" y="3408271"/>
+                <a:ext cx="861070" cy="707886"/>
+              </a:xfrm>
+              <a:prstGeom prst="rect">
+                <a:avLst/>
+              </a:prstGeom>
+            </p:spPr>
+            <p:txBody>
+              <a:bodyPr wrap="none">
+                <a:spAutoFit/>
+              </a:bodyPr>
+              <a:lstStyle/>
+              <a:p>
+                <a:pPr/>
+                <a14:m>
+                  <m:oMathPara xmlns:m="http://schemas.openxmlformats.org/officeDocument/2006/math">
+                    <m:oMathParaPr>
+                      <m:jc m:val="centerGroup"/>
+                    </m:oMathParaPr>
+                    <m:oMath xmlns:m="http://schemas.openxmlformats.org/officeDocument/2006/math">
+                      <m:sSup>
+                        <m:sSupPr>
+                          <m:ctrlPr>
+                            <a:rPr lang="en-US" sz="4000" i="1">
+                              <a:latin typeface="Cambria Math" panose="02040503050406030204" pitchFamily="18" charset="0"/>
+                            </a:rPr>
+                          </m:ctrlPr>
+                        </m:sSupPr>
+                        <m:e>
+                          <m:r>
+                            <a:rPr lang="en-US" sz="4000" b="0" i="1" smtClean="0">
+                              <a:latin typeface="Cambria Math" panose="02040503050406030204" pitchFamily="18" charset="0"/>
+                            </a:rPr>
+                            <m:t>6</m:t>
+                          </m:r>
+                        </m:e>
+                        <m:sup>
+                          <m:r>
+                            <a:rPr lang="en-US" sz="4000" i="1">
+                              <a:latin typeface="Cambria Math" panose="02040503050406030204" pitchFamily="18" charset="0"/>
+                            </a:rPr>
+                            <m:t>𝑥</m:t>
+                          </m:r>
+                        </m:sup>
+                      </m:sSup>
+                    </m:oMath>
+                  </m:oMathPara>
+                </a14:m>
+                <a:endParaRPr lang="en-US" sz="4000" dirty="0"/>
+              </a:p>
+            </p:txBody>
+          </p:sp>
+        </mc:Choice>
+        <mc:Fallback xmlns="">
+          <p:sp>
+            <p:nvSpPr>
+              <p:cNvPr id="4" name="Rectangle 3"/>
+              <p:cNvSpPr>
+                <a:spLocks noRot="1" noChangeAspect="1" noMove="1" noResize="1" noEditPoints="1" noAdjustHandles="1" noChangeArrowheads="1" noChangeShapeType="1" noTextEdit="1"/>
+              </p:cNvSpPr>
+              <p:nvPr/>
+            </p:nvSpPr>
+            <p:spPr>
+              <a:xfrm>
+                <a:off x="1431558" y="3408271"/>
+                <a:ext cx="861070" cy="707886"/>
+              </a:xfrm>
+              <a:prstGeom prst="rect">
+                <a:avLst/>
+              </a:prstGeom>
+              <a:blipFill rotWithShape="0">
+                <a:blip r:embed="rId2"/>
+                <a:stretch>
+                  <a:fillRect/>
+                </a:stretch>
+              </a:blipFill>
+            </p:spPr>
+            <p:txBody>
+              <a:bodyPr/>
+              <a:lstStyle/>
+              <a:p>
+                <a:r>
+                  <a:rPr lang="en-US">
+                    <a:noFill/>
+                  </a:rPr>
+                  <a:t> </a:t>
+                </a:r>
+              </a:p>
+            </p:txBody>
+          </p:sp>
+        </mc:Fallback>
+      </mc:AlternateContent>
+      <mc:AlternateContent xmlns:mc="http://schemas.openxmlformats.org/markup-compatibility/2006" xmlns:a14="http://schemas.microsoft.com/office/drawing/2010/main">
+        <mc:Choice Requires="a14">
+          <p:sp>
+            <p:nvSpPr>
+              <p:cNvPr id="5" name="Rectangle 4"/>
+              <p:cNvSpPr/>
+              <p:nvPr/>
+            </p:nvSpPr>
+            <p:spPr>
+              <a:xfrm>
+                <a:off x="1431558" y="1722014"/>
+                <a:ext cx="2350259" cy="707886"/>
+              </a:xfrm>
+              <a:prstGeom prst="rect">
+                <a:avLst/>
+              </a:prstGeom>
+            </p:spPr>
+            <p:txBody>
+              <a:bodyPr wrap="none">
+                <a:spAutoFit/>
+              </a:bodyPr>
+              <a:lstStyle/>
+              <a:p>
+                <a:pPr/>
+                <a14:m>
+                  <m:oMathPara xmlns:m="http://schemas.openxmlformats.org/officeDocument/2006/math">
+                    <m:oMathParaPr>
+                      <m:jc m:val="centerGroup"/>
+                    </m:oMathParaPr>
+                    <m:oMath xmlns:m="http://schemas.openxmlformats.org/officeDocument/2006/math">
+                      <m:r>
+                        <a:rPr lang="en-US" sz="4000" i="1" smtClean="0">
+                          <a:latin typeface="Cambria Math" panose="02040503050406030204" pitchFamily="18" charset="0"/>
+                        </a:rPr>
+                        <m:t>0</m:t>
+                      </m:r>
+                      <m:r>
+                        <a:rPr lang="en-US" sz="4000" b="0" i="1" smtClean="0">
+                          <a:latin typeface="Cambria Math" panose="02040503050406030204" pitchFamily="18" charset="0"/>
+                        </a:rPr>
+                        <m:t>.5</m:t>
+                      </m:r>
+                      <m:r>
+                        <a:rPr lang="en-US" sz="4000" i="1">
+                          <a:latin typeface="Cambria Math" panose="02040503050406030204" pitchFamily="18" charset="0"/>
+                        </a:rPr>
+                        <m:t>(1.6</m:t>
+                      </m:r>
+                      <m:sSup>
+                        <m:sSupPr>
+                          <m:ctrlPr>
+                            <a:rPr lang="en-US" sz="4000" i="1">
+                              <a:latin typeface="Cambria Math" panose="02040503050406030204" pitchFamily="18" charset="0"/>
+                            </a:rPr>
+                          </m:ctrlPr>
+                        </m:sSupPr>
+                        <m:e>
+                          <m:r>
+                            <a:rPr lang="en-US" sz="4000" i="1">
+                              <a:latin typeface="Cambria Math" panose="02040503050406030204" pitchFamily="18" charset="0"/>
+                            </a:rPr>
+                            <m:t>)</m:t>
+                          </m:r>
+                        </m:e>
+                        <m:sup>
+                          <m:r>
+                            <a:rPr lang="en-US" sz="4000" i="1">
+                              <a:latin typeface="Cambria Math" panose="02040503050406030204" pitchFamily="18" charset="0"/>
+                            </a:rPr>
+                            <m:t>𝑥</m:t>
+                          </m:r>
+                        </m:sup>
+                      </m:sSup>
+                    </m:oMath>
+                  </m:oMathPara>
+                </a14:m>
+                <a:endParaRPr lang="en-US" sz="4000" dirty="0"/>
+              </a:p>
+            </p:txBody>
+          </p:sp>
+        </mc:Choice>
+        <mc:Fallback xmlns="">
+          <p:sp>
+            <p:nvSpPr>
+              <p:cNvPr id="5" name="Rectangle 4"/>
+              <p:cNvSpPr>
+                <a:spLocks noRot="1" noChangeAspect="1" noMove="1" noResize="1" noEditPoints="1" noAdjustHandles="1" noChangeArrowheads="1" noChangeShapeType="1" noTextEdit="1"/>
+              </p:cNvSpPr>
+              <p:nvPr/>
+            </p:nvSpPr>
+            <p:spPr>
+              <a:xfrm>
+                <a:off x="1431558" y="1722014"/>
+                <a:ext cx="2350259" cy="707886"/>
+              </a:xfrm>
+              <a:prstGeom prst="rect">
+                <a:avLst/>
+              </a:prstGeom>
+              <a:blipFill rotWithShape="0">
+                <a:blip r:embed="rId3"/>
+                <a:stretch>
+                  <a:fillRect/>
+                </a:stretch>
+              </a:blipFill>
+            </p:spPr>
+            <p:txBody>
+              <a:bodyPr/>
+              <a:lstStyle/>
+              <a:p>
+                <a:r>
+                  <a:rPr lang="en-US">
+                    <a:noFill/>
+                  </a:rPr>
+                  <a:t> </a:t>
+                </a:r>
+              </a:p>
+            </p:txBody>
+          </p:sp>
+        </mc:Fallback>
+      </mc:AlternateContent>
+      <mc:AlternateContent xmlns:mc="http://schemas.openxmlformats.org/markup-compatibility/2006" xmlns:a14="http://schemas.microsoft.com/office/drawing/2010/main">
+        <mc:Choice Requires="a14">
+          <p:sp>
+            <p:nvSpPr>
+              <p:cNvPr id="6" name="Rectangle 5"/>
+              <p:cNvSpPr/>
+              <p:nvPr/>
+            </p:nvSpPr>
+            <p:spPr>
+              <a:xfrm>
+                <a:off x="6172200" y="1717372"/>
+                <a:ext cx="2350259" cy="707886"/>
+              </a:xfrm>
+              <a:prstGeom prst="rect">
+                <a:avLst/>
+              </a:prstGeom>
+            </p:spPr>
+            <p:txBody>
+              <a:bodyPr wrap="none">
+                <a:spAutoFit/>
+              </a:bodyPr>
+              <a:lstStyle/>
+              <a:p>
+                <a:pPr/>
+                <a14:m>
+                  <m:oMathPara xmlns:m="http://schemas.openxmlformats.org/officeDocument/2006/math">
+                    <m:oMathParaPr>
+                      <m:jc m:val="centerGroup"/>
+                    </m:oMathParaPr>
+                    <m:oMath xmlns:m="http://schemas.openxmlformats.org/officeDocument/2006/math">
+                      <m:r>
+                        <a:rPr lang="en-US" sz="4000" b="0" i="1" smtClean="0">
+                          <a:latin typeface="Cambria Math" panose="02040503050406030204" pitchFamily="18" charset="0"/>
+                        </a:rPr>
+                        <m:t>1.6</m:t>
+                      </m:r>
+                      <m:r>
+                        <a:rPr lang="en-US" sz="4000" i="1">
+                          <a:latin typeface="Cambria Math" panose="02040503050406030204" pitchFamily="18" charset="0"/>
+                        </a:rPr>
+                        <m:t>(</m:t>
+                      </m:r>
+                      <m:r>
+                        <a:rPr lang="en-US" sz="4000" b="0" i="1" smtClean="0">
+                          <a:latin typeface="Cambria Math" panose="02040503050406030204" pitchFamily="18" charset="0"/>
+                        </a:rPr>
+                        <m:t>0.5</m:t>
+                      </m:r>
+                      <m:sSup>
+                        <m:sSupPr>
+                          <m:ctrlPr>
+                            <a:rPr lang="en-US" sz="4000" i="1">
+                              <a:latin typeface="Cambria Math" panose="02040503050406030204" pitchFamily="18" charset="0"/>
+                            </a:rPr>
+                          </m:ctrlPr>
+                        </m:sSupPr>
+                        <m:e>
+                          <m:r>
+                            <a:rPr lang="en-US" sz="4000" i="1">
+                              <a:latin typeface="Cambria Math" panose="02040503050406030204" pitchFamily="18" charset="0"/>
+                            </a:rPr>
+                            <m:t>)</m:t>
+                          </m:r>
+                        </m:e>
+                        <m:sup>
+                          <m:r>
+                            <a:rPr lang="en-US" sz="4000" i="1">
+                              <a:latin typeface="Cambria Math" panose="02040503050406030204" pitchFamily="18" charset="0"/>
+                            </a:rPr>
+                            <m:t>𝑥</m:t>
+                          </m:r>
+                        </m:sup>
+                      </m:sSup>
+                    </m:oMath>
+                  </m:oMathPara>
+                </a14:m>
+                <a:endParaRPr lang="en-US" sz="4000" dirty="0"/>
+              </a:p>
+            </p:txBody>
+          </p:sp>
+        </mc:Choice>
+        <mc:Fallback xmlns="">
+          <p:sp>
+            <p:nvSpPr>
+              <p:cNvPr id="6" name="Rectangle 5"/>
+              <p:cNvSpPr>
+                <a:spLocks noRot="1" noChangeAspect="1" noMove="1" noResize="1" noEditPoints="1" noAdjustHandles="1" noChangeArrowheads="1" noChangeShapeType="1" noTextEdit="1"/>
+              </p:cNvSpPr>
+              <p:nvPr/>
+            </p:nvSpPr>
+            <p:spPr>
+              <a:xfrm>
+                <a:off x="6172200" y="1717372"/>
+                <a:ext cx="2350259" cy="707886"/>
+              </a:xfrm>
+              <a:prstGeom prst="rect">
+                <a:avLst/>
+              </a:prstGeom>
+              <a:blipFill rotWithShape="0">
+                <a:blip r:embed="rId4"/>
+                <a:stretch>
+                  <a:fillRect/>
+                </a:stretch>
+              </a:blipFill>
+            </p:spPr>
+            <p:txBody>
+              <a:bodyPr/>
+              <a:lstStyle/>
+              <a:p>
+                <a:r>
+                  <a:rPr lang="en-US">
+                    <a:noFill/>
+                  </a:rPr>
+                  <a:t> </a:t>
+                </a:r>
+              </a:p>
+            </p:txBody>
+          </p:sp>
+        </mc:Fallback>
+      </mc:AlternateContent>
+      <mc:AlternateContent xmlns:mc="http://schemas.openxmlformats.org/markup-compatibility/2006">
+        <mc:Choice xmlns:a14="http://schemas.microsoft.com/office/drawing/2010/main" Requires="a14">
+          <p:sp>
+            <p:nvSpPr>
+              <p:cNvPr id="7" name="Rectangle 6"/>
+              <p:cNvSpPr/>
+              <p:nvPr/>
+            </p:nvSpPr>
+            <p:spPr>
+              <a:xfrm>
+                <a:off x="6172200" y="3257095"/>
+                <a:ext cx="1960730" cy="1248803"/>
+              </a:xfrm>
+              <a:prstGeom prst="rect">
+                <a:avLst/>
+              </a:prstGeom>
+            </p:spPr>
+            <p:txBody>
+              <a:bodyPr wrap="none">
+                <a:spAutoFit/>
+              </a:bodyPr>
+              <a:lstStyle/>
+              <a:p>
+                <a:pPr/>
+                <a14:m>
+                  <m:oMathPara xmlns:m="http://schemas.openxmlformats.org/officeDocument/2006/math">
+                    <m:oMathParaPr>
+                      <m:jc m:val="centerGroup"/>
+                    </m:oMathParaPr>
+                    <m:oMath xmlns:m="http://schemas.openxmlformats.org/officeDocument/2006/math">
+                      <m:sSup>
+                        <m:sSupPr>
+                          <m:ctrlPr>
+                            <a:rPr lang="en-US" sz="4000" i="1" smtClean="0">
+                              <a:latin typeface="Cambria Math" panose="02040503050406030204" pitchFamily="18" charset="0"/>
+                            </a:rPr>
+                          </m:ctrlPr>
+                        </m:sSupPr>
+                        <m:e>
+                          <m:r>
+                            <a:rPr lang="en-US" sz="4000" b="0" i="1" smtClean="0">
+                              <a:latin typeface="Cambria Math" panose="02040503050406030204" pitchFamily="18" charset="0"/>
+                            </a:rPr>
+                            <m:t>0.9</m:t>
+                          </m:r>
+                          <m:r>
+                            <a:rPr lang="en-US" sz="4000" b="0" i="1" smtClean="0">
+                              <a:latin typeface="Cambria Math" panose="02040503050406030204" pitchFamily="18" charset="0"/>
+                            </a:rPr>
+                            <m:t>(</m:t>
+                          </m:r>
+                          <m:f>
+                            <m:fPr>
+                              <m:ctrlPr>
+                                <a:rPr lang="en-US" sz="4000" i="1">
+                                  <a:latin typeface="Cambria Math" panose="02040503050406030204" pitchFamily="18" charset="0"/>
+                                </a:rPr>
+                              </m:ctrlPr>
+                            </m:fPr>
+                            <m:num>
+                              <m:r>
+                                <a:rPr lang="en-US" sz="4000" b="0" i="1" smtClean="0">
+                                  <a:latin typeface="Cambria Math" panose="02040503050406030204" pitchFamily="18" charset="0"/>
+                                </a:rPr>
+                                <m:t>1</m:t>
+                              </m:r>
+                            </m:num>
+                            <m:den>
+                              <m:r>
+                                <a:rPr lang="en-US" sz="4000" b="0" i="1" smtClean="0">
+                                  <a:latin typeface="Cambria Math" panose="02040503050406030204" pitchFamily="18" charset="0"/>
+                                </a:rPr>
+                                <m:t>5</m:t>
+                              </m:r>
+                            </m:den>
+                          </m:f>
+                          <m:r>
+                            <a:rPr lang="en-US" sz="4000" b="0" i="1" smtClean="0">
+                              <a:latin typeface="Cambria Math" panose="02040503050406030204" pitchFamily="18" charset="0"/>
+                            </a:rPr>
+                            <m:t>)</m:t>
+                          </m:r>
+                        </m:e>
+                        <m:sup>
+                          <m:r>
+                            <a:rPr lang="en-US" sz="4000" b="0" i="1" smtClean="0">
+                              <a:latin typeface="Cambria Math" panose="02040503050406030204" pitchFamily="18" charset="0"/>
+                            </a:rPr>
+                            <m:t>𝑥</m:t>
+                          </m:r>
+                        </m:sup>
+                      </m:sSup>
+                    </m:oMath>
+                  </m:oMathPara>
+                </a14:m>
+                <a:endParaRPr lang="en-US" sz="4000" dirty="0"/>
+              </a:p>
+            </p:txBody>
+          </p:sp>
+        </mc:Choice>
+        <mc:Fallback>
+          <p:sp>
+            <p:nvSpPr>
+              <p:cNvPr id="7" name="Rectangle 6"/>
+              <p:cNvSpPr>
+                <a:spLocks noRot="1" noChangeAspect="1" noMove="1" noResize="1" noEditPoints="1" noAdjustHandles="1" noChangeArrowheads="1" noChangeShapeType="1" noTextEdit="1"/>
+              </p:cNvSpPr>
+              <p:nvPr/>
+            </p:nvSpPr>
+            <p:spPr>
+              <a:xfrm>
+                <a:off x="6172200" y="3257095"/>
+                <a:ext cx="1960730" cy="1248803"/>
+              </a:xfrm>
+              <a:prstGeom prst="rect">
+                <a:avLst/>
+              </a:prstGeom>
+              <a:blipFill rotWithShape="0">
+                <a:blip r:embed="rId5"/>
+                <a:stretch>
+                  <a:fillRect/>
+                </a:stretch>
+              </a:blipFill>
+            </p:spPr>
+            <p:txBody>
+              <a:bodyPr/>
+              <a:lstStyle/>
+              <a:p>
+                <a:r>
+                  <a:rPr lang="en-US">
+                    <a:noFill/>
+                  </a:rPr>
+                  <a:t> </a:t>
+                </a:r>
+              </a:p>
+            </p:txBody>
+          </p:sp>
+        </mc:Fallback>
+      </mc:AlternateContent>
+      <mc:AlternateContent xmlns:mc="http://schemas.openxmlformats.org/markup-compatibility/2006">
+        <mc:Choice xmlns:a14="http://schemas.microsoft.com/office/drawing/2010/main" Requires="a14">
+          <p:sp>
+            <p:nvSpPr>
+              <p:cNvPr id="8" name="Rectangle 7"/>
+              <p:cNvSpPr/>
+              <p:nvPr/>
+            </p:nvSpPr>
+            <p:spPr>
+              <a:xfrm>
+                <a:off x="1371600" y="5248108"/>
+                <a:ext cx="2244461" cy="1244764"/>
+              </a:xfrm>
+              <a:prstGeom prst="rect">
+                <a:avLst/>
+              </a:prstGeom>
+            </p:spPr>
+            <p:txBody>
+              <a:bodyPr wrap="none">
+                <a:spAutoFit/>
+              </a:bodyPr>
+              <a:lstStyle/>
+              <a:p>
+                <a:pPr/>
+                <a14:m>
+                  <m:oMathPara xmlns:m="http://schemas.openxmlformats.org/officeDocument/2006/math">
+                    <m:oMathParaPr>
+                      <m:jc m:val="centerGroup"/>
+                    </m:oMathParaPr>
+                    <m:oMath xmlns:m="http://schemas.openxmlformats.org/officeDocument/2006/math">
+                      <m:sSup>
+                        <m:sSupPr>
+                          <m:ctrlPr>
+                            <a:rPr lang="en-US" sz="4000" i="1" smtClean="0">
+                              <a:latin typeface="Cambria Math" panose="02040503050406030204" pitchFamily="18" charset="0"/>
+                            </a:rPr>
+                          </m:ctrlPr>
+                        </m:sSupPr>
+                        <m:e>
+                          <m:r>
+                            <a:rPr lang="en-US" sz="4000" b="0" i="1" smtClean="0">
+                              <a:latin typeface="Cambria Math" panose="02040503050406030204" pitchFamily="18" charset="0"/>
+                            </a:rPr>
+                            <m:t>0.42</m:t>
+                          </m:r>
+                          <m:r>
+                            <a:rPr lang="en-US" sz="4000" i="1">
+                              <a:latin typeface="Cambria Math" panose="02040503050406030204" pitchFamily="18" charset="0"/>
+                            </a:rPr>
+                            <m:t>(</m:t>
+                          </m:r>
+                          <m:f>
+                            <m:fPr>
+                              <m:ctrlPr>
+                                <a:rPr lang="en-US" sz="4000" i="1">
+                                  <a:latin typeface="Cambria Math" panose="02040503050406030204" pitchFamily="18" charset="0"/>
+                                </a:rPr>
+                              </m:ctrlPr>
+                            </m:fPr>
+                            <m:num>
+                              <m:r>
+                                <a:rPr lang="en-US" sz="4000" b="0" i="1" smtClean="0">
+                                  <a:latin typeface="Cambria Math" panose="02040503050406030204" pitchFamily="18" charset="0"/>
+                                </a:rPr>
+                                <m:t>7</m:t>
+                              </m:r>
+                            </m:num>
+                            <m:den>
+                              <m:r>
+                                <a:rPr lang="en-US" sz="4000" i="1">
+                                  <a:latin typeface="Cambria Math" panose="02040503050406030204" pitchFamily="18" charset="0"/>
+                                </a:rPr>
+                                <m:t>5</m:t>
+                              </m:r>
+                            </m:den>
+                          </m:f>
+                          <m:r>
+                            <a:rPr lang="en-US" sz="4000" b="0" i="1" smtClean="0">
+                              <a:latin typeface="Cambria Math" panose="02040503050406030204" pitchFamily="18" charset="0"/>
+                            </a:rPr>
+                            <m:t>)</m:t>
+                          </m:r>
+                        </m:e>
+                        <m:sup>
+                          <m:r>
+                            <a:rPr lang="en-US" sz="4000" i="1">
+                              <a:latin typeface="Cambria Math" panose="02040503050406030204" pitchFamily="18" charset="0"/>
+                            </a:rPr>
+                            <m:t>𝑥</m:t>
+                          </m:r>
+                        </m:sup>
+                      </m:sSup>
+                    </m:oMath>
+                  </m:oMathPara>
+                </a14:m>
+                <a:endParaRPr lang="en-US" sz="4000" dirty="0" smtClean="0"/>
+              </a:p>
+            </p:txBody>
+          </p:sp>
+        </mc:Choice>
+        <mc:Fallback>
+          <p:sp>
+            <p:nvSpPr>
+              <p:cNvPr id="8" name="Rectangle 7"/>
+              <p:cNvSpPr>
+                <a:spLocks noRot="1" noChangeAspect="1" noMove="1" noResize="1" noEditPoints="1" noAdjustHandles="1" noChangeArrowheads="1" noChangeShapeType="1" noTextEdit="1"/>
+              </p:cNvSpPr>
+              <p:nvPr/>
+            </p:nvSpPr>
+            <p:spPr>
+              <a:xfrm>
+                <a:off x="1371600" y="5248108"/>
+                <a:ext cx="2244461" cy="1244764"/>
+              </a:xfrm>
+              <a:prstGeom prst="rect">
+                <a:avLst/>
+              </a:prstGeom>
+              <a:blipFill rotWithShape="0">
+                <a:blip r:embed="rId6"/>
+                <a:stretch>
+                  <a:fillRect/>
+                </a:stretch>
+              </a:blipFill>
+            </p:spPr>
+            <p:txBody>
+              <a:bodyPr/>
+              <a:lstStyle/>
+              <a:p>
+                <a:r>
+                  <a:rPr lang="en-US">
+                    <a:noFill/>
+                  </a:rPr>
+                  <a:t> </a:t>
+                </a:r>
+              </a:p>
+            </p:txBody>
+          </p:sp>
+        </mc:Fallback>
+      </mc:AlternateContent>
+      <mc:AlternateContent xmlns:mc="http://schemas.openxmlformats.org/markup-compatibility/2006">
+        <mc:Choice xmlns:a14="http://schemas.microsoft.com/office/drawing/2010/main" Requires="a14">
+          <p:sp>
+            <p:nvSpPr>
+              <p:cNvPr id="9" name="Rectangle 8"/>
+              <p:cNvSpPr/>
+              <p:nvPr/>
+            </p:nvSpPr>
+            <p:spPr>
+              <a:xfrm>
+                <a:off x="6172200" y="5636468"/>
+                <a:ext cx="3245119" cy="707886"/>
+              </a:xfrm>
+              <a:prstGeom prst="rect">
+                <a:avLst/>
+              </a:prstGeom>
+            </p:spPr>
+            <p:txBody>
+              <a:bodyPr wrap="none">
+                <a:spAutoFit/>
+              </a:bodyPr>
+              <a:lstStyle/>
+              <a:p>
+                <a:pPr/>
+                <a14:m>
+                  <m:oMathPara xmlns:m="http://schemas.openxmlformats.org/officeDocument/2006/math">
+                    <m:oMathParaPr>
+                      <m:jc m:val="centerGroup"/>
+                    </m:oMathParaPr>
+                    <m:oMath xmlns:m="http://schemas.openxmlformats.org/officeDocument/2006/math">
+                      <m:r>
+                        <a:rPr lang="en-US" sz="4000" b="0" i="1" smtClean="0">
+                          <a:latin typeface="Cambria Math" panose="02040503050406030204" pitchFamily="18" charset="0"/>
+                        </a:rPr>
+                        <m:t>7.1</m:t>
+                      </m:r>
+                      <m:sSup>
+                        <m:sSupPr>
+                          <m:ctrlPr>
+                            <a:rPr lang="en-US" sz="4000" i="1" smtClean="0">
+                              <a:latin typeface="Cambria Math" panose="02040503050406030204" pitchFamily="18" charset="0"/>
+                            </a:rPr>
+                          </m:ctrlPr>
+                        </m:sSupPr>
+                        <m:e>
+                          <m:r>
+                            <a:rPr lang="en-US" sz="4000" b="0" i="1" smtClean="0">
+                              <a:latin typeface="Cambria Math" panose="02040503050406030204" pitchFamily="18" charset="0"/>
+                            </a:rPr>
+                            <m:t>(1−0.6)</m:t>
+                          </m:r>
+                        </m:e>
+                        <m:sup>
+                          <m:r>
+                            <a:rPr lang="en-US" sz="4000" i="1">
+                              <a:latin typeface="Cambria Math" panose="02040503050406030204" pitchFamily="18" charset="0"/>
+                            </a:rPr>
+                            <m:t>𝑥</m:t>
+                          </m:r>
+                        </m:sup>
+                      </m:sSup>
+                    </m:oMath>
+                  </m:oMathPara>
+                </a14:m>
+                <a:endParaRPr lang="en-US" sz="4000" dirty="0"/>
+              </a:p>
+            </p:txBody>
+          </p:sp>
+        </mc:Choice>
+        <mc:Fallback>
+          <p:sp>
+            <p:nvSpPr>
+              <p:cNvPr id="9" name="Rectangle 8"/>
+              <p:cNvSpPr>
+                <a:spLocks noRot="1" noChangeAspect="1" noMove="1" noResize="1" noEditPoints="1" noAdjustHandles="1" noChangeArrowheads="1" noChangeShapeType="1" noTextEdit="1"/>
+              </p:cNvSpPr>
+              <p:nvPr/>
+            </p:nvSpPr>
+            <p:spPr>
+              <a:xfrm>
+                <a:off x="6172200" y="5636468"/>
+                <a:ext cx="3245119" cy="707886"/>
+              </a:xfrm>
+              <a:prstGeom prst="rect">
+                <a:avLst/>
+              </a:prstGeom>
+              <a:blipFill rotWithShape="0">
+                <a:blip r:embed="rId7"/>
+                <a:stretch>
+                  <a:fillRect/>
+                </a:stretch>
+              </a:blipFill>
+            </p:spPr>
+            <p:txBody>
+              <a:bodyPr/>
+              <a:lstStyle/>
+              <a:p>
+                <a:r>
+                  <a:rPr lang="en-US">
+                    <a:noFill/>
+                  </a:rPr>
+                  <a:t> </a:t>
+                </a:r>
+              </a:p>
+            </p:txBody>
+          </p:sp>
+        </mc:Fallback>
+      </mc:AlternateContent>
+    </p:spTree>
+    <p:extLst>
+      <p:ext uri="{BB962C8B-B14F-4D97-AF65-F5344CB8AC3E}">
+        <p14:creationId xmlns:p14="http://schemas.microsoft.com/office/powerpoint/2010/main" val="1860069173"/>
+      </p:ext>
+    </p:extLst>
+  </p:cSld>
+  <p:clrMapOvr>
+    <a:masterClrMapping/>
+  </p:clrMapOvr>
+  <p:timing>
+    <p:tnLst>
+      <p:par>
+        <p:cTn id="1" dur="indefinite" restart="never" nodeType="tmRoot"/>
+      </p:par>
+    </p:tnLst>
+  </p:timing>
 </p:sld>
 </file>
 
@@ -6590,10 +6949,144 @@
   <p:clrMapOvr>
     <a:masterClrMapping/>
   </p:clrMapOvr>
+  <p:timing>
+    <p:tnLst>
+      <p:par>
+        <p:cTn id="1" dur="indefinite" restart="never" nodeType="tmRoot"/>
+      </p:par>
+    </p:tnLst>
+  </p:timing>
 </p:sld>
 </file>
 
 <file path=ppt/slides/slide8.xml><?xml version="1.0" encoding="utf-8"?>
+<p:sld xmlns:a="http://schemas.openxmlformats.org/drawingml/2006/main" xmlns:r="http://schemas.openxmlformats.org/officeDocument/2006/relationships" xmlns:p="http://schemas.openxmlformats.org/presentationml/2006/main">
+  <p:cSld>
+    <p:spTree>
+      <p:nvGrpSpPr>
+        <p:cNvPr id="1" name=""/>
+        <p:cNvGrpSpPr/>
+        <p:nvPr/>
+      </p:nvGrpSpPr>
+      <p:grpSpPr>
+        <a:xfrm>
+          <a:off x="0" y="0"/>
+          <a:ext cx="0" cy="0"/>
+          <a:chOff x="0" y="0"/>
+          <a:chExt cx="0" cy="0"/>
+        </a:xfrm>
+      </p:grpSpPr>
+      <p:sp>
+        <p:nvSpPr>
+          <p:cNvPr id="2" name="Title 1"/>
+          <p:cNvSpPr>
+            <a:spLocks noGrp="1"/>
+          </p:cNvSpPr>
+          <p:nvPr>
+            <p:ph type="title"/>
+          </p:nvPr>
+        </p:nvSpPr>
+        <p:spPr/>
+        <p:txBody>
+          <a:bodyPr/>
+          <a:lstStyle/>
+          <a:p>
+            <a:r>
+              <a:rPr lang="en-US" dirty="0" smtClean="0"/>
+              <a:t>Example: Write an exponential model and answer the question. </a:t>
+            </a:r>
+            <a:endParaRPr lang="en-US" dirty="0"/>
+          </a:p>
+        </p:txBody>
+      </p:sp>
+      <p:sp>
+        <p:nvSpPr>
+          <p:cNvPr id="3" name="Content Placeholder 2"/>
+          <p:cNvSpPr>
+            <a:spLocks noGrp="1"/>
+          </p:cNvSpPr>
+          <p:nvPr>
+            <p:ph idx="1"/>
+          </p:nvPr>
+        </p:nvSpPr>
+        <p:spPr/>
+        <p:txBody>
+          <a:bodyPr>
+            <a:normAutofit lnSpcReduction="10000"/>
+          </a:bodyPr>
+          <a:lstStyle/>
+          <a:p>
+            <a:r>
+              <a:rPr lang="en-US" sz="3000" dirty="0" smtClean="0"/>
+              <a:t>A population of 80,750 grows by 4.2% per year. What will the new population be after 12 years?</a:t>
+            </a:r>
+            <a:endParaRPr lang="en-US" sz="3000" dirty="0"/>
+          </a:p>
+          <a:p>
+            <a:endParaRPr lang="en-US" sz="3000" dirty="0" smtClean="0"/>
+          </a:p>
+          <a:p>
+            <a:pPr marL="0" indent="0">
+              <a:buNone/>
+            </a:pPr>
+            <a:endParaRPr lang="en-US" sz="3000" dirty="0" smtClean="0"/>
+          </a:p>
+          <a:p>
+            <a:r>
+              <a:rPr lang="en-US" sz="3000" dirty="0" smtClean="0"/>
+              <a:t>You have $4,500 in an account that decays </a:t>
+            </a:r>
+            <a:r>
+              <a:rPr lang="en-US" sz="3000" dirty="0"/>
+              <a:t>by </a:t>
+            </a:r>
+            <a:r>
+              <a:rPr lang="en-US" sz="3000" dirty="0" smtClean="0"/>
+              <a:t>8.54% </a:t>
+            </a:r>
+            <a:r>
+              <a:rPr lang="en-US" sz="3000" dirty="0"/>
+              <a:t>per year. </a:t>
+            </a:r>
+            <a:r>
+              <a:rPr lang="en-US" sz="3000" dirty="0" smtClean="0"/>
+              <a:t>How much will be in the account after 7 years? </a:t>
+            </a:r>
+            <a:endParaRPr lang="en-US" sz="3000" dirty="0"/>
+          </a:p>
+          <a:p>
+            <a:pPr marL="0" indent="0">
+              <a:buNone/>
+            </a:pPr>
+            <a:r>
+              <a:rPr lang="en-US" sz="3000" dirty="0" smtClean="0"/>
+              <a:t> </a:t>
+            </a:r>
+            <a:endParaRPr lang="en-US" sz="3000" dirty="0"/>
+          </a:p>
+        </p:txBody>
+      </p:sp>
+    </p:spTree>
+    <p:extLst>
+      <p:ext uri="{BB962C8B-B14F-4D97-AF65-F5344CB8AC3E}">
+        <p14:creationId xmlns:p14="http://schemas.microsoft.com/office/powerpoint/2010/main" val="1493770543"/>
+      </p:ext>
+    </p:extLst>
+  </p:cSld>
+  <p:clrMapOvr>
+    <a:masterClrMapping/>
+  </p:clrMapOvr>
+  <p:timing>
+    <p:tnLst>
+      <p:par>
+        <p:cTn id="1" dur="indefinite" restart="never" nodeType="tmRoot"/>
+      </p:par>
+    </p:tnLst>
+  </p:timing>
+</p:sld>
+</file>
+
+<file path=ppt/slides/slide9.xml><?xml version="1.0" encoding="utf-8"?>
 <p:sld xmlns:a="http://schemas.openxmlformats.org/drawingml/2006/main" xmlns:r="http://schemas.openxmlformats.org/officeDocument/2006/relationships" xmlns:p="http://schemas.openxmlformats.org/presentationml/2006/main">
   <p:cSld>
     <p:spTree>
@@ -6686,7 +7179,7 @@
                         <a:rPr lang="en-US" sz="3000" b="0" i="1" smtClean="0">
                           <a:latin typeface="Cambria Math" panose="02040503050406030204" pitchFamily="18" charset="0"/>
                         </a:rPr>
-                        <m:t>=−2(1.6</m:t>
+                        <m:t>=0.2(4.6</m:t>
                       </m:r>
                       <m:sSup>
                         <m:sSupPr>
@@ -6779,7 +7272,7 @@
                         <a:rPr lang="en-US" sz="3000" b="0" i="1" smtClean="0">
                           <a:latin typeface="Cambria Math" panose="02040503050406030204" pitchFamily="18" charset="0"/>
                         </a:rPr>
-                        <m:t>4</m:t>
+                        <m:t>4.1</m:t>
                       </m:r>
                       <m:r>
                         <a:rPr lang="en-US" sz="3000" i="1">
@@ -6876,126 +7369,13 @@
   <p:clrMapOvr>
     <a:masterClrMapping/>
   </p:clrMapOvr>
-</p:sld>
-</file>
-
-<file path=ppt/slides/slide9.xml><?xml version="1.0" encoding="utf-8"?>
-<p:sld xmlns:a="http://schemas.openxmlformats.org/drawingml/2006/main" xmlns:r="http://schemas.openxmlformats.org/officeDocument/2006/relationships" xmlns:p="http://schemas.openxmlformats.org/presentationml/2006/main">
-  <p:cSld>
-    <p:spTree>
-      <p:nvGrpSpPr>
-        <p:cNvPr id="1" name=""/>
-        <p:cNvGrpSpPr/>
-        <p:nvPr/>
-      </p:nvGrpSpPr>
-      <p:grpSpPr>
-        <a:xfrm>
-          <a:off x="0" y="0"/>
-          <a:ext cx="0" cy="0"/>
-          <a:chOff x="0" y="0"/>
-          <a:chExt cx="0" cy="0"/>
-        </a:xfrm>
-      </p:grpSpPr>
-      <p:sp>
-        <p:nvSpPr>
-          <p:cNvPr id="2" name="Title 1"/>
-          <p:cNvSpPr>
-            <a:spLocks noGrp="1"/>
-          </p:cNvSpPr>
-          <p:nvPr>
-            <p:ph type="title"/>
-          </p:nvPr>
-        </p:nvSpPr>
-        <p:spPr/>
-        <p:txBody>
-          <a:bodyPr/>
-          <a:lstStyle/>
-          <a:p>
-            <a:r>
-              <a:rPr lang="en-US" dirty="0" smtClean="0"/>
-              <a:t>Example: Write an exponential model and answer the question. </a:t>
-            </a:r>
-            <a:endParaRPr lang="en-US" dirty="0"/>
-          </a:p>
-        </p:txBody>
-      </p:sp>
-      <p:sp>
-        <p:nvSpPr>
-          <p:cNvPr id="3" name="Content Placeholder 2"/>
-          <p:cNvSpPr>
-            <a:spLocks noGrp="1"/>
-          </p:cNvSpPr>
-          <p:nvPr>
-            <p:ph idx="1"/>
-          </p:nvPr>
-        </p:nvSpPr>
-        <p:spPr/>
-        <p:txBody>
-          <a:bodyPr>
-            <a:normAutofit lnSpcReduction="10000"/>
-          </a:bodyPr>
-          <a:lstStyle/>
-          <a:p>
-            <a:r>
-              <a:rPr lang="en-US" sz="3000" dirty="0" smtClean="0"/>
-              <a:t>A population of 80,750 grows by 4.2% per year. What will the new population be after 12 years?</a:t>
-            </a:r>
-            <a:endParaRPr lang="en-US" sz="3000" dirty="0"/>
-          </a:p>
-          <a:p>
-            <a:endParaRPr lang="en-US" sz="3000" dirty="0" smtClean="0"/>
-          </a:p>
-          <a:p>
-            <a:pPr marL="0" indent="0">
-              <a:buNone/>
-            </a:pPr>
-            <a:endParaRPr lang="en-US" sz="3000" dirty="0" smtClean="0"/>
-          </a:p>
-          <a:p>
-            <a:r>
-              <a:rPr lang="en-US" sz="3000" dirty="0" smtClean="0"/>
-              <a:t>You have $4,500 in an account that decays </a:t>
-            </a:r>
-            <a:r>
-              <a:rPr lang="en-US" sz="3000" dirty="0"/>
-              <a:t>by </a:t>
-            </a:r>
-            <a:r>
-              <a:rPr lang="en-US" sz="3000" dirty="0" smtClean="0"/>
-              <a:t>8.54% </a:t>
-            </a:r>
-            <a:r>
-              <a:rPr lang="en-US" sz="3000" dirty="0"/>
-              <a:t>per year. </a:t>
-            </a:r>
-            <a:r>
-              <a:rPr lang="en-US" sz="3000" dirty="0" smtClean="0"/>
-              <a:t>How much will be in the account after 7 years? </a:t>
-            </a:r>
-            <a:endParaRPr lang="en-US" sz="3000" dirty="0"/>
-          </a:p>
-          <a:p>
-            <a:pPr marL="0" indent="0">
-              <a:buNone/>
-            </a:pPr>
-            <a:r>
-              <a:rPr lang="en-US" sz="3000" dirty="0" smtClean="0"/>
-              <a:t> </a:t>
-            </a:r>
-            <a:endParaRPr lang="en-US" sz="3000" dirty="0"/>
-          </a:p>
-        </p:txBody>
-      </p:sp>
-    </p:spTree>
-    <p:extLst>
-      <p:ext uri="{BB962C8B-B14F-4D97-AF65-F5344CB8AC3E}">
-        <p14:creationId xmlns:p14="http://schemas.microsoft.com/office/powerpoint/2010/main" val="1493770543"/>
-      </p:ext>
-    </p:extLst>
-  </p:cSld>
-  <p:clrMapOvr>
-    <a:masterClrMapping/>
-  </p:clrMapOvr>
+  <p:timing>
+    <p:tnLst>
+      <p:par>
+        <p:cTn id="1" dur="indefinite" restart="never" nodeType="tmRoot"/>
+      </p:par>
+    </p:tnLst>
+  </p:timing>
 </p:sld>
 </file>
 
